--- a/你的愛.pptx
+++ b/你的愛.pptx
@@ -2,7 +2,7 @@
 <file path=ppt/presentation.xml><?xml version="1.0" encoding="utf-8"?>
 <p:presentation xmlns:a="http://schemas.openxmlformats.org/drawingml/2006/main" xmlns:r="http://schemas.openxmlformats.org/officeDocument/2006/relationships" xmlns:p="http://schemas.openxmlformats.org/presentationml/2006/main" saveSubsetFonts="1">
   <p:sldMasterIdLst>
-    <p:sldMasterId id="2147483648" r:id="rId1"/>
+    <p:sldMasterId id="2147483660" r:id="rId1"/>
   </p:sldMasterIdLst>
   <p:sldIdLst>
     <p:sldId id="257" r:id="rId2"/>
@@ -10,8 +10,9 @@
     <p:sldId id="259" r:id="rId4"/>
     <p:sldId id="260" r:id="rId5"/>
     <p:sldId id="261" r:id="rId6"/>
+    <p:sldId id="262" r:id="rId7"/>
   </p:sldIdLst>
-  <p:sldSz cx="9144000" cy="6858000" type="screen4x3"/>
+  <p:sldSz cx="9144000" cy="5143500" type="screen16x9"/>
   <p:notesSz cx="6858000" cy="9144000"/>
   <p:defaultTextStyle>
     <a:defPPr>
@@ -140,8 +141,8 @@
         </p:nvSpPr>
         <p:spPr>
           <a:xfrm>
-            <a:off x="685800" y="2130425"/>
-            <a:ext cx="7772400" cy="1470025"/>
+            <a:off x="685800" y="1597819"/>
+            <a:ext cx="7772400" cy="1102519"/>
           </a:xfrm>
         </p:spPr>
         <p:txBody>
@@ -149,8 +150,8 @@
           <a:lstStyle/>
           <a:p>
             <a:r>
-              <a:rPr lang="zh-TW" altLang="en-US" smtClean="0"/>
-              <a:t>按一下以編輯母片標題樣式</a:t>
+              <a:rPr lang="en-US" altLang="zh-TW" smtClean="0"/>
+              <a:t>Click to edit Master title style</a:t>
             </a:r>
             <a:endParaRPr lang="zh-TW" altLang="en-US"/>
           </a:p>
@@ -168,8 +169,8 @@
         </p:nvSpPr>
         <p:spPr>
           <a:xfrm>
-            <a:off x="1371600" y="3886200"/>
-            <a:ext cx="6400800" cy="1752600"/>
+            <a:off x="1371600" y="2914650"/>
+            <a:ext cx="6400800" cy="1314450"/>
           </a:xfrm>
         </p:spPr>
         <p:txBody>
@@ -268,8 +269,8 @@
           </a:lstStyle>
           <a:p>
             <a:r>
-              <a:rPr lang="zh-TW" altLang="en-US" smtClean="0"/>
-              <a:t>按一下以編輯母片副標題樣式</a:t>
+              <a:rPr lang="en-US" altLang="zh-TW" smtClean="0"/>
+              <a:t>Click to edit Master subtitle style</a:t>
             </a:r>
             <a:endParaRPr lang="zh-TW" altLang="en-US"/>
           </a:p>
@@ -292,7 +293,7 @@
           <a:p>
             <a:fld id="{AA5D9FA9-CE5A-48A6-B3BE-EC410BA02A91}" type="datetimeFigureOut">
               <a:rPr lang="zh-TW" altLang="en-US" smtClean="0"/>
-              <a:t>2018/7/17</a:t>
+              <a:t>2019/10/10</a:t>
             </a:fld>
             <a:endParaRPr lang="zh-TW" altLang="en-US"/>
           </a:p>
@@ -381,8 +382,8 @@
           <a:lstStyle/>
           <a:p>
             <a:r>
-              <a:rPr lang="zh-TW" altLang="en-US" smtClean="0"/>
-              <a:t>按一下以編輯母片標題樣式</a:t>
+              <a:rPr lang="en-US" altLang="zh-TW" smtClean="0"/>
+              <a:t>Click to edit Master title style</a:t>
             </a:r>
             <a:endParaRPr lang="zh-TW" altLang="en-US"/>
           </a:p>
@@ -405,36 +406,36 @@
           <a:p>
             <a:pPr lvl="0"/>
             <a:r>
-              <a:rPr lang="zh-TW" altLang="en-US" smtClean="0"/>
-              <a:t>按一下以編輯母片文字樣式</a:t>
+              <a:rPr lang="en-US" altLang="zh-TW" smtClean="0"/>
+              <a:t>Click to edit Master text styles</a:t>
             </a:r>
           </a:p>
           <a:p>
             <a:pPr lvl="1"/>
             <a:r>
-              <a:rPr lang="zh-TW" altLang="en-US" smtClean="0"/>
-              <a:t>第二層</a:t>
+              <a:rPr lang="en-US" altLang="zh-TW" smtClean="0"/>
+              <a:t>Second level</a:t>
             </a:r>
           </a:p>
           <a:p>
             <a:pPr lvl="2"/>
             <a:r>
-              <a:rPr lang="zh-TW" altLang="en-US" smtClean="0"/>
-              <a:t>第三層</a:t>
+              <a:rPr lang="en-US" altLang="zh-TW" smtClean="0"/>
+              <a:t>Third level</a:t>
             </a:r>
           </a:p>
           <a:p>
             <a:pPr lvl="3"/>
             <a:r>
-              <a:rPr lang="zh-TW" altLang="en-US" smtClean="0"/>
-              <a:t>第四層</a:t>
+              <a:rPr lang="en-US" altLang="zh-TW" smtClean="0"/>
+              <a:t>Fourth level</a:t>
             </a:r>
           </a:p>
           <a:p>
             <a:pPr lvl="4"/>
             <a:r>
-              <a:rPr lang="zh-TW" altLang="en-US" smtClean="0"/>
-              <a:t>第五層</a:t>
+              <a:rPr lang="en-US" altLang="zh-TW" smtClean="0"/>
+              <a:t>Fifth level</a:t>
             </a:r>
             <a:endParaRPr lang="zh-TW" altLang="en-US"/>
           </a:p>
@@ -457,7 +458,7 @@
           <a:p>
             <a:fld id="{AA5D9FA9-CE5A-48A6-B3BE-EC410BA02A91}" type="datetimeFigureOut">
               <a:rPr lang="zh-TW" altLang="en-US" smtClean="0"/>
-              <a:t>2018/7/17</a:t>
+              <a:t>2019/10/10</a:t>
             </a:fld>
             <a:endParaRPr lang="zh-TW" altLang="en-US"/>
           </a:p>
@@ -542,8 +543,8 @@
         </p:nvSpPr>
         <p:spPr>
           <a:xfrm>
-            <a:off x="6629400" y="274638"/>
-            <a:ext cx="2057400" cy="5851525"/>
+            <a:off x="6629400" y="205979"/>
+            <a:ext cx="2057400" cy="4388644"/>
           </a:xfrm>
         </p:spPr>
         <p:txBody>
@@ -551,8 +552,8 @@
           <a:lstStyle/>
           <a:p>
             <a:r>
-              <a:rPr lang="zh-TW" altLang="en-US" smtClean="0"/>
-              <a:t>按一下以編輯母片標題樣式</a:t>
+              <a:rPr lang="en-US" altLang="zh-TW" smtClean="0"/>
+              <a:t>Click to edit Master title style</a:t>
             </a:r>
             <a:endParaRPr lang="zh-TW" altLang="en-US"/>
           </a:p>
@@ -570,8 +571,8 @@
         </p:nvSpPr>
         <p:spPr>
           <a:xfrm>
-            <a:off x="457200" y="274638"/>
-            <a:ext cx="6019800" cy="5851525"/>
+            <a:off x="457200" y="205979"/>
+            <a:ext cx="6019800" cy="4388644"/>
           </a:xfrm>
         </p:spPr>
         <p:txBody>
@@ -580,36 +581,36 @@
           <a:p>
             <a:pPr lvl="0"/>
             <a:r>
-              <a:rPr lang="zh-TW" altLang="en-US" smtClean="0"/>
-              <a:t>按一下以編輯母片文字樣式</a:t>
+              <a:rPr lang="en-US" altLang="zh-TW" smtClean="0"/>
+              <a:t>Click to edit Master text styles</a:t>
             </a:r>
           </a:p>
           <a:p>
             <a:pPr lvl="1"/>
             <a:r>
-              <a:rPr lang="zh-TW" altLang="en-US" smtClean="0"/>
-              <a:t>第二層</a:t>
+              <a:rPr lang="en-US" altLang="zh-TW" smtClean="0"/>
+              <a:t>Second level</a:t>
             </a:r>
           </a:p>
           <a:p>
             <a:pPr lvl="2"/>
             <a:r>
-              <a:rPr lang="zh-TW" altLang="en-US" smtClean="0"/>
-              <a:t>第三層</a:t>
+              <a:rPr lang="en-US" altLang="zh-TW" smtClean="0"/>
+              <a:t>Third level</a:t>
             </a:r>
           </a:p>
           <a:p>
             <a:pPr lvl="3"/>
             <a:r>
-              <a:rPr lang="zh-TW" altLang="en-US" smtClean="0"/>
-              <a:t>第四層</a:t>
+              <a:rPr lang="en-US" altLang="zh-TW" smtClean="0"/>
+              <a:t>Fourth level</a:t>
             </a:r>
           </a:p>
           <a:p>
             <a:pPr lvl="4"/>
             <a:r>
-              <a:rPr lang="zh-TW" altLang="en-US" smtClean="0"/>
-              <a:t>第五層</a:t>
+              <a:rPr lang="en-US" altLang="zh-TW" smtClean="0"/>
+              <a:t>Fifth level</a:t>
             </a:r>
             <a:endParaRPr lang="zh-TW" altLang="en-US"/>
           </a:p>
@@ -632,7 +633,7 @@
           <a:p>
             <a:fld id="{AA5D9FA9-CE5A-48A6-B3BE-EC410BA02A91}" type="datetimeFigureOut">
               <a:rPr lang="zh-TW" altLang="en-US" smtClean="0"/>
-              <a:t>2018/7/17</a:t>
+              <a:t>2019/10/10</a:t>
             </a:fld>
             <a:endParaRPr lang="zh-TW" altLang="en-US"/>
           </a:p>
@@ -721,8 +722,8 @@
           <a:lstStyle/>
           <a:p>
             <a:r>
-              <a:rPr lang="zh-TW" altLang="en-US" smtClean="0"/>
-              <a:t>按一下以編輯母片標題樣式</a:t>
+              <a:rPr lang="en-US" altLang="zh-TW" smtClean="0"/>
+              <a:t>Click to edit Master title style</a:t>
             </a:r>
             <a:endParaRPr lang="zh-TW" altLang="en-US"/>
           </a:p>
@@ -745,36 +746,36 @@
           <a:p>
             <a:pPr lvl="0"/>
             <a:r>
-              <a:rPr lang="zh-TW" altLang="en-US" smtClean="0"/>
-              <a:t>按一下以編輯母片文字樣式</a:t>
+              <a:rPr lang="en-US" altLang="zh-TW" smtClean="0"/>
+              <a:t>Click to edit Master text styles</a:t>
             </a:r>
           </a:p>
           <a:p>
             <a:pPr lvl="1"/>
             <a:r>
-              <a:rPr lang="zh-TW" altLang="en-US" smtClean="0"/>
-              <a:t>第二層</a:t>
+              <a:rPr lang="en-US" altLang="zh-TW" smtClean="0"/>
+              <a:t>Second level</a:t>
             </a:r>
           </a:p>
           <a:p>
             <a:pPr lvl="2"/>
             <a:r>
-              <a:rPr lang="zh-TW" altLang="en-US" smtClean="0"/>
-              <a:t>第三層</a:t>
+              <a:rPr lang="en-US" altLang="zh-TW" smtClean="0"/>
+              <a:t>Third level</a:t>
             </a:r>
           </a:p>
           <a:p>
             <a:pPr lvl="3"/>
             <a:r>
-              <a:rPr lang="zh-TW" altLang="en-US" smtClean="0"/>
-              <a:t>第四層</a:t>
+              <a:rPr lang="en-US" altLang="zh-TW" smtClean="0"/>
+              <a:t>Fourth level</a:t>
             </a:r>
           </a:p>
           <a:p>
             <a:pPr lvl="4"/>
             <a:r>
-              <a:rPr lang="zh-TW" altLang="en-US" smtClean="0"/>
-              <a:t>第五層</a:t>
+              <a:rPr lang="en-US" altLang="zh-TW" smtClean="0"/>
+              <a:t>Fifth level</a:t>
             </a:r>
             <a:endParaRPr lang="zh-TW" altLang="en-US"/>
           </a:p>
@@ -797,7 +798,7 @@
           <a:p>
             <a:fld id="{AA5D9FA9-CE5A-48A6-B3BE-EC410BA02A91}" type="datetimeFigureOut">
               <a:rPr lang="zh-TW" altLang="en-US" smtClean="0"/>
-              <a:t>2018/7/17</a:t>
+              <a:t>2019/10/10</a:t>
             </a:fld>
             <a:endParaRPr lang="zh-TW" altLang="en-US"/>
           </a:p>
@@ -882,8 +883,8 @@
         </p:nvSpPr>
         <p:spPr>
           <a:xfrm>
-            <a:off x="722313" y="4406900"/>
-            <a:ext cx="7772400" cy="1362075"/>
+            <a:off x="722313" y="3305176"/>
+            <a:ext cx="7772400" cy="1021556"/>
           </a:xfrm>
         </p:spPr>
         <p:txBody>
@@ -895,8 +896,8 @@
           </a:lstStyle>
           <a:p>
             <a:r>
-              <a:rPr lang="zh-TW" altLang="en-US" smtClean="0"/>
-              <a:t>按一下以編輯母片標題樣式</a:t>
+              <a:rPr lang="en-US" altLang="zh-TW" smtClean="0"/>
+              <a:t>Click to edit Master title style</a:t>
             </a:r>
             <a:endParaRPr lang="zh-TW" altLang="en-US"/>
           </a:p>
@@ -914,8 +915,8 @@
         </p:nvSpPr>
         <p:spPr>
           <a:xfrm>
-            <a:off x="722313" y="2906713"/>
-            <a:ext cx="7772400" cy="1500187"/>
+            <a:off x="722313" y="2180035"/>
+            <a:ext cx="7772400" cy="1125140"/>
           </a:xfrm>
         </p:spPr>
         <p:txBody>
@@ -1015,8 +1016,8 @@
           <a:p>
             <a:pPr lvl="0"/>
             <a:r>
-              <a:rPr lang="zh-TW" altLang="en-US" smtClean="0"/>
-              <a:t>按一下以編輯母片文字樣式</a:t>
+              <a:rPr lang="en-US" altLang="zh-TW" smtClean="0"/>
+              <a:t>Click to edit Master text styles</a:t>
             </a:r>
           </a:p>
         </p:txBody>
@@ -1038,7 +1039,7 @@
           <a:p>
             <a:fld id="{AA5D9FA9-CE5A-48A6-B3BE-EC410BA02A91}" type="datetimeFigureOut">
               <a:rPr lang="zh-TW" altLang="en-US" smtClean="0"/>
-              <a:t>2018/7/17</a:t>
+              <a:t>2019/10/10</a:t>
             </a:fld>
             <a:endParaRPr lang="zh-TW" altLang="en-US"/>
           </a:p>
@@ -1127,8 +1128,8 @@
           <a:lstStyle/>
           <a:p>
             <a:r>
-              <a:rPr lang="zh-TW" altLang="en-US" smtClean="0"/>
-              <a:t>按一下以編輯母片標題樣式</a:t>
+              <a:rPr lang="en-US" altLang="zh-TW" smtClean="0"/>
+              <a:t>Click to edit Master title style</a:t>
             </a:r>
             <a:endParaRPr lang="zh-TW" altLang="en-US"/>
           </a:p>
@@ -1146,8 +1147,8 @@
         </p:nvSpPr>
         <p:spPr>
           <a:xfrm>
-            <a:off x="457200" y="1600200"/>
-            <a:ext cx="4038600" cy="4525963"/>
+            <a:off x="457200" y="1200151"/>
+            <a:ext cx="4038600" cy="3394472"/>
           </a:xfrm>
         </p:spPr>
         <p:txBody>
@@ -1184,36 +1185,36 @@
           <a:p>
             <a:pPr lvl="0"/>
             <a:r>
-              <a:rPr lang="zh-TW" altLang="en-US" smtClean="0"/>
-              <a:t>按一下以編輯母片文字樣式</a:t>
+              <a:rPr lang="en-US" altLang="zh-TW" smtClean="0"/>
+              <a:t>Click to edit Master text styles</a:t>
             </a:r>
           </a:p>
           <a:p>
             <a:pPr lvl="1"/>
             <a:r>
-              <a:rPr lang="zh-TW" altLang="en-US" smtClean="0"/>
-              <a:t>第二層</a:t>
+              <a:rPr lang="en-US" altLang="zh-TW" smtClean="0"/>
+              <a:t>Second level</a:t>
             </a:r>
           </a:p>
           <a:p>
             <a:pPr lvl="2"/>
             <a:r>
-              <a:rPr lang="zh-TW" altLang="en-US" smtClean="0"/>
-              <a:t>第三層</a:t>
+              <a:rPr lang="en-US" altLang="zh-TW" smtClean="0"/>
+              <a:t>Third level</a:t>
             </a:r>
           </a:p>
           <a:p>
             <a:pPr lvl="3"/>
             <a:r>
-              <a:rPr lang="zh-TW" altLang="en-US" smtClean="0"/>
-              <a:t>第四層</a:t>
+              <a:rPr lang="en-US" altLang="zh-TW" smtClean="0"/>
+              <a:t>Fourth level</a:t>
             </a:r>
           </a:p>
           <a:p>
             <a:pPr lvl="4"/>
             <a:r>
-              <a:rPr lang="zh-TW" altLang="en-US" smtClean="0"/>
-              <a:t>第五層</a:t>
+              <a:rPr lang="en-US" altLang="zh-TW" smtClean="0"/>
+              <a:t>Fifth level</a:t>
             </a:r>
             <a:endParaRPr lang="zh-TW" altLang="en-US"/>
           </a:p>
@@ -1231,8 +1232,8 @@
         </p:nvSpPr>
         <p:spPr>
           <a:xfrm>
-            <a:off x="4648200" y="1600200"/>
-            <a:ext cx="4038600" cy="4525963"/>
+            <a:off x="4648200" y="1200151"/>
+            <a:ext cx="4038600" cy="3394472"/>
           </a:xfrm>
         </p:spPr>
         <p:txBody>
@@ -1269,36 +1270,36 @@
           <a:p>
             <a:pPr lvl="0"/>
             <a:r>
-              <a:rPr lang="zh-TW" altLang="en-US" smtClean="0"/>
-              <a:t>按一下以編輯母片文字樣式</a:t>
+              <a:rPr lang="en-US" altLang="zh-TW" smtClean="0"/>
+              <a:t>Click to edit Master text styles</a:t>
             </a:r>
           </a:p>
           <a:p>
             <a:pPr lvl="1"/>
             <a:r>
-              <a:rPr lang="zh-TW" altLang="en-US" smtClean="0"/>
-              <a:t>第二層</a:t>
+              <a:rPr lang="en-US" altLang="zh-TW" smtClean="0"/>
+              <a:t>Second level</a:t>
             </a:r>
           </a:p>
           <a:p>
             <a:pPr lvl="2"/>
             <a:r>
-              <a:rPr lang="zh-TW" altLang="en-US" smtClean="0"/>
-              <a:t>第三層</a:t>
+              <a:rPr lang="en-US" altLang="zh-TW" smtClean="0"/>
+              <a:t>Third level</a:t>
             </a:r>
           </a:p>
           <a:p>
             <a:pPr lvl="3"/>
             <a:r>
-              <a:rPr lang="zh-TW" altLang="en-US" smtClean="0"/>
-              <a:t>第四層</a:t>
+              <a:rPr lang="en-US" altLang="zh-TW" smtClean="0"/>
+              <a:t>Fourth level</a:t>
             </a:r>
           </a:p>
           <a:p>
             <a:pPr lvl="4"/>
             <a:r>
-              <a:rPr lang="zh-TW" altLang="en-US" smtClean="0"/>
-              <a:t>第五層</a:t>
+              <a:rPr lang="en-US" altLang="zh-TW" smtClean="0"/>
+              <a:t>Fifth level</a:t>
             </a:r>
             <a:endParaRPr lang="zh-TW" altLang="en-US"/>
           </a:p>
@@ -1321,7 +1322,7 @@
           <a:p>
             <a:fld id="{AA5D9FA9-CE5A-48A6-B3BE-EC410BA02A91}" type="datetimeFigureOut">
               <a:rPr lang="zh-TW" altLang="en-US" smtClean="0"/>
-              <a:t>2018/7/17</a:t>
+              <a:t>2019/10/10</a:t>
             </a:fld>
             <a:endParaRPr lang="zh-TW" altLang="en-US"/>
           </a:p>
@@ -1414,8 +1415,8 @@
           </a:lstStyle>
           <a:p>
             <a:r>
-              <a:rPr lang="zh-TW" altLang="en-US" smtClean="0"/>
-              <a:t>按一下以編輯母片標題樣式</a:t>
+              <a:rPr lang="en-US" altLang="zh-TW" smtClean="0"/>
+              <a:t>Click to edit Master title style</a:t>
             </a:r>
             <a:endParaRPr lang="zh-TW" altLang="en-US"/>
           </a:p>
@@ -1433,8 +1434,8 @@
         </p:nvSpPr>
         <p:spPr>
           <a:xfrm>
-            <a:off x="457200" y="1535113"/>
-            <a:ext cx="4040188" cy="639762"/>
+            <a:off x="457200" y="1151335"/>
+            <a:ext cx="4040188" cy="479822"/>
           </a:xfrm>
         </p:spPr>
         <p:txBody>
@@ -1480,8 +1481,8 @@
           <a:p>
             <a:pPr lvl="0"/>
             <a:r>
-              <a:rPr lang="zh-TW" altLang="en-US" smtClean="0"/>
-              <a:t>按一下以編輯母片文字樣式</a:t>
+              <a:rPr lang="en-US" altLang="zh-TW" smtClean="0"/>
+              <a:t>Click to edit Master text styles</a:t>
             </a:r>
           </a:p>
         </p:txBody>
@@ -1498,8 +1499,8 @@
         </p:nvSpPr>
         <p:spPr>
           <a:xfrm>
-            <a:off x="457200" y="2174875"/>
-            <a:ext cx="4040188" cy="3951288"/>
+            <a:off x="457200" y="1631156"/>
+            <a:ext cx="4040188" cy="2963466"/>
           </a:xfrm>
         </p:spPr>
         <p:txBody>
@@ -1536,36 +1537,36 @@
           <a:p>
             <a:pPr lvl="0"/>
             <a:r>
-              <a:rPr lang="zh-TW" altLang="en-US" smtClean="0"/>
-              <a:t>按一下以編輯母片文字樣式</a:t>
+              <a:rPr lang="en-US" altLang="zh-TW" smtClean="0"/>
+              <a:t>Click to edit Master text styles</a:t>
             </a:r>
           </a:p>
           <a:p>
             <a:pPr lvl="1"/>
             <a:r>
-              <a:rPr lang="zh-TW" altLang="en-US" smtClean="0"/>
-              <a:t>第二層</a:t>
+              <a:rPr lang="en-US" altLang="zh-TW" smtClean="0"/>
+              <a:t>Second level</a:t>
             </a:r>
           </a:p>
           <a:p>
             <a:pPr lvl="2"/>
             <a:r>
-              <a:rPr lang="zh-TW" altLang="en-US" smtClean="0"/>
-              <a:t>第三層</a:t>
+              <a:rPr lang="en-US" altLang="zh-TW" smtClean="0"/>
+              <a:t>Third level</a:t>
             </a:r>
           </a:p>
           <a:p>
             <a:pPr lvl="3"/>
             <a:r>
-              <a:rPr lang="zh-TW" altLang="en-US" smtClean="0"/>
-              <a:t>第四層</a:t>
+              <a:rPr lang="en-US" altLang="zh-TW" smtClean="0"/>
+              <a:t>Fourth level</a:t>
             </a:r>
           </a:p>
           <a:p>
             <a:pPr lvl="4"/>
             <a:r>
-              <a:rPr lang="zh-TW" altLang="en-US" smtClean="0"/>
-              <a:t>第五層</a:t>
+              <a:rPr lang="en-US" altLang="zh-TW" smtClean="0"/>
+              <a:t>Fifth level</a:t>
             </a:r>
             <a:endParaRPr lang="zh-TW" altLang="en-US"/>
           </a:p>
@@ -1583,8 +1584,8 @@
         </p:nvSpPr>
         <p:spPr>
           <a:xfrm>
-            <a:off x="4645025" y="1535113"/>
-            <a:ext cx="4041775" cy="639762"/>
+            <a:off x="4645026" y="1151335"/>
+            <a:ext cx="4041775" cy="479822"/>
           </a:xfrm>
         </p:spPr>
         <p:txBody>
@@ -1630,8 +1631,8 @@
           <a:p>
             <a:pPr lvl="0"/>
             <a:r>
-              <a:rPr lang="zh-TW" altLang="en-US" smtClean="0"/>
-              <a:t>按一下以編輯母片文字樣式</a:t>
+              <a:rPr lang="en-US" altLang="zh-TW" smtClean="0"/>
+              <a:t>Click to edit Master text styles</a:t>
             </a:r>
           </a:p>
         </p:txBody>
@@ -1648,8 +1649,8 @@
         </p:nvSpPr>
         <p:spPr>
           <a:xfrm>
-            <a:off x="4645025" y="2174875"/>
-            <a:ext cx="4041775" cy="3951288"/>
+            <a:off x="4645026" y="1631156"/>
+            <a:ext cx="4041775" cy="2963466"/>
           </a:xfrm>
         </p:spPr>
         <p:txBody>
@@ -1686,36 +1687,36 @@
           <a:p>
             <a:pPr lvl="0"/>
             <a:r>
-              <a:rPr lang="zh-TW" altLang="en-US" smtClean="0"/>
-              <a:t>按一下以編輯母片文字樣式</a:t>
+              <a:rPr lang="en-US" altLang="zh-TW" smtClean="0"/>
+              <a:t>Click to edit Master text styles</a:t>
             </a:r>
           </a:p>
           <a:p>
             <a:pPr lvl="1"/>
             <a:r>
-              <a:rPr lang="zh-TW" altLang="en-US" smtClean="0"/>
-              <a:t>第二層</a:t>
+              <a:rPr lang="en-US" altLang="zh-TW" smtClean="0"/>
+              <a:t>Second level</a:t>
             </a:r>
           </a:p>
           <a:p>
             <a:pPr lvl="2"/>
             <a:r>
-              <a:rPr lang="zh-TW" altLang="en-US" smtClean="0"/>
-              <a:t>第三層</a:t>
+              <a:rPr lang="en-US" altLang="zh-TW" smtClean="0"/>
+              <a:t>Third level</a:t>
             </a:r>
           </a:p>
           <a:p>
             <a:pPr lvl="3"/>
             <a:r>
-              <a:rPr lang="zh-TW" altLang="en-US" smtClean="0"/>
-              <a:t>第四層</a:t>
+              <a:rPr lang="en-US" altLang="zh-TW" smtClean="0"/>
+              <a:t>Fourth level</a:t>
             </a:r>
           </a:p>
           <a:p>
             <a:pPr lvl="4"/>
             <a:r>
-              <a:rPr lang="zh-TW" altLang="en-US" smtClean="0"/>
-              <a:t>第五層</a:t>
+              <a:rPr lang="en-US" altLang="zh-TW" smtClean="0"/>
+              <a:t>Fifth level</a:t>
             </a:r>
             <a:endParaRPr lang="zh-TW" altLang="en-US"/>
           </a:p>
@@ -1738,7 +1739,7 @@
           <a:p>
             <a:fld id="{AA5D9FA9-CE5A-48A6-B3BE-EC410BA02A91}" type="datetimeFigureOut">
               <a:rPr lang="zh-TW" altLang="en-US" smtClean="0"/>
-              <a:t>2018/7/17</a:t>
+              <a:t>2019/10/10</a:t>
             </a:fld>
             <a:endParaRPr lang="zh-TW" altLang="en-US"/>
           </a:p>
@@ -1827,8 +1828,8 @@
           <a:lstStyle/>
           <a:p>
             <a:r>
-              <a:rPr lang="zh-TW" altLang="en-US" smtClean="0"/>
-              <a:t>按一下以編輯母片標題樣式</a:t>
+              <a:rPr lang="en-US" altLang="zh-TW" smtClean="0"/>
+              <a:t>Click to edit Master title style</a:t>
             </a:r>
             <a:endParaRPr lang="zh-TW" altLang="en-US"/>
           </a:p>
@@ -1851,7 +1852,7 @@
           <a:p>
             <a:fld id="{AA5D9FA9-CE5A-48A6-B3BE-EC410BA02A91}" type="datetimeFigureOut">
               <a:rPr lang="zh-TW" altLang="en-US" smtClean="0"/>
-              <a:t>2018/7/17</a:t>
+              <a:t>2019/10/10</a:t>
             </a:fld>
             <a:endParaRPr lang="zh-TW" altLang="en-US"/>
           </a:p>
@@ -1941,7 +1942,7 @@
           <a:p>
             <a:fld id="{AA5D9FA9-CE5A-48A6-B3BE-EC410BA02A91}" type="datetimeFigureOut">
               <a:rPr lang="zh-TW" altLang="en-US" smtClean="0"/>
-              <a:t>2018/7/17</a:t>
+              <a:t>2019/10/10</a:t>
             </a:fld>
             <a:endParaRPr lang="zh-TW" altLang="en-US"/>
           </a:p>
@@ -2026,8 +2027,8 @@
         </p:nvSpPr>
         <p:spPr>
           <a:xfrm>
-            <a:off x="457200" y="273050"/>
-            <a:ext cx="3008313" cy="1162050"/>
+            <a:off x="457201" y="204787"/>
+            <a:ext cx="3008313" cy="871538"/>
           </a:xfrm>
         </p:spPr>
         <p:txBody>
@@ -2039,8 +2040,8 @@
           </a:lstStyle>
           <a:p>
             <a:r>
-              <a:rPr lang="zh-TW" altLang="en-US" smtClean="0"/>
-              <a:t>按一下以編輯母片標題樣式</a:t>
+              <a:rPr lang="en-US" altLang="zh-TW" smtClean="0"/>
+              <a:t>Click to edit Master title style</a:t>
             </a:r>
             <a:endParaRPr lang="zh-TW" altLang="en-US"/>
           </a:p>
@@ -2058,8 +2059,8 @@
         </p:nvSpPr>
         <p:spPr>
           <a:xfrm>
-            <a:off x="3575050" y="273050"/>
-            <a:ext cx="5111750" cy="5853113"/>
+            <a:off x="3575050" y="204788"/>
+            <a:ext cx="5111750" cy="4389835"/>
           </a:xfrm>
         </p:spPr>
         <p:txBody>
@@ -2096,36 +2097,36 @@
           <a:p>
             <a:pPr lvl="0"/>
             <a:r>
-              <a:rPr lang="zh-TW" altLang="en-US" smtClean="0"/>
-              <a:t>按一下以編輯母片文字樣式</a:t>
+              <a:rPr lang="en-US" altLang="zh-TW" smtClean="0"/>
+              <a:t>Click to edit Master text styles</a:t>
             </a:r>
           </a:p>
           <a:p>
             <a:pPr lvl="1"/>
             <a:r>
-              <a:rPr lang="zh-TW" altLang="en-US" smtClean="0"/>
-              <a:t>第二層</a:t>
+              <a:rPr lang="en-US" altLang="zh-TW" smtClean="0"/>
+              <a:t>Second level</a:t>
             </a:r>
           </a:p>
           <a:p>
             <a:pPr lvl="2"/>
             <a:r>
-              <a:rPr lang="zh-TW" altLang="en-US" smtClean="0"/>
-              <a:t>第三層</a:t>
+              <a:rPr lang="en-US" altLang="zh-TW" smtClean="0"/>
+              <a:t>Third level</a:t>
             </a:r>
           </a:p>
           <a:p>
             <a:pPr lvl="3"/>
             <a:r>
-              <a:rPr lang="zh-TW" altLang="en-US" smtClean="0"/>
-              <a:t>第四層</a:t>
+              <a:rPr lang="en-US" altLang="zh-TW" smtClean="0"/>
+              <a:t>Fourth level</a:t>
             </a:r>
           </a:p>
           <a:p>
             <a:pPr lvl="4"/>
             <a:r>
-              <a:rPr lang="zh-TW" altLang="en-US" smtClean="0"/>
-              <a:t>第五層</a:t>
+              <a:rPr lang="en-US" altLang="zh-TW" smtClean="0"/>
+              <a:t>Fifth level</a:t>
             </a:r>
             <a:endParaRPr lang="zh-TW" altLang="en-US"/>
           </a:p>
@@ -2143,8 +2144,8 @@
         </p:nvSpPr>
         <p:spPr>
           <a:xfrm>
-            <a:off x="457200" y="1435100"/>
-            <a:ext cx="3008313" cy="4691063"/>
+            <a:off x="457201" y="1076326"/>
+            <a:ext cx="3008313" cy="3518297"/>
           </a:xfrm>
         </p:spPr>
         <p:txBody>
@@ -2190,8 +2191,8 @@
           <a:p>
             <a:pPr lvl="0"/>
             <a:r>
-              <a:rPr lang="zh-TW" altLang="en-US" smtClean="0"/>
-              <a:t>按一下以編輯母片文字樣式</a:t>
+              <a:rPr lang="en-US" altLang="zh-TW" smtClean="0"/>
+              <a:t>Click to edit Master text styles</a:t>
             </a:r>
           </a:p>
         </p:txBody>
@@ -2213,7 +2214,7 @@
           <a:p>
             <a:fld id="{AA5D9FA9-CE5A-48A6-B3BE-EC410BA02A91}" type="datetimeFigureOut">
               <a:rPr lang="zh-TW" altLang="en-US" smtClean="0"/>
-              <a:t>2018/7/17</a:t>
+              <a:t>2019/10/10</a:t>
             </a:fld>
             <a:endParaRPr lang="zh-TW" altLang="en-US"/>
           </a:p>
@@ -2298,8 +2299,8 @@
         </p:nvSpPr>
         <p:spPr>
           <a:xfrm>
-            <a:off x="1792288" y="4800600"/>
-            <a:ext cx="5486400" cy="566738"/>
+            <a:off x="1792288" y="3600450"/>
+            <a:ext cx="5486400" cy="425054"/>
           </a:xfrm>
         </p:spPr>
         <p:txBody>
@@ -2311,8 +2312,8 @@
           </a:lstStyle>
           <a:p>
             <a:r>
-              <a:rPr lang="zh-TW" altLang="en-US" smtClean="0"/>
-              <a:t>按一下以編輯母片標題樣式</a:t>
+              <a:rPr lang="en-US" altLang="zh-TW" smtClean="0"/>
+              <a:t>Click to edit Master title style</a:t>
             </a:r>
             <a:endParaRPr lang="zh-TW" altLang="en-US"/>
           </a:p>
@@ -2330,8 +2331,8 @@
         </p:nvSpPr>
         <p:spPr>
           <a:xfrm>
-            <a:off x="1792288" y="612775"/>
-            <a:ext cx="5486400" cy="4114800"/>
+            <a:off x="1792288" y="459581"/>
+            <a:ext cx="5486400" cy="3086100"/>
           </a:xfrm>
         </p:spPr>
         <p:txBody>
@@ -2375,6 +2376,10 @@
             </a:lvl9pPr>
           </a:lstStyle>
           <a:p>
+            <a:r>
+              <a:rPr lang="en-US" altLang="zh-TW" smtClean="0"/>
+              <a:t>Click icon to add picture</a:t>
+            </a:r>
             <a:endParaRPr lang="zh-TW" altLang="en-US"/>
           </a:p>
         </p:txBody>
@@ -2391,8 +2396,8 @@
         </p:nvSpPr>
         <p:spPr>
           <a:xfrm>
-            <a:off x="1792288" y="5367338"/>
-            <a:ext cx="5486400" cy="804862"/>
+            <a:off x="1792288" y="4025503"/>
+            <a:ext cx="5486400" cy="603647"/>
           </a:xfrm>
         </p:spPr>
         <p:txBody>
@@ -2438,8 +2443,8 @@
           <a:p>
             <a:pPr lvl="0"/>
             <a:r>
-              <a:rPr lang="zh-TW" altLang="en-US" smtClean="0"/>
-              <a:t>按一下以編輯母片文字樣式</a:t>
+              <a:rPr lang="en-US" altLang="zh-TW" smtClean="0"/>
+              <a:t>Click to edit Master text styles</a:t>
             </a:r>
           </a:p>
         </p:txBody>
@@ -2461,7 +2466,7 @@
           <a:p>
             <a:fld id="{AA5D9FA9-CE5A-48A6-B3BE-EC410BA02A91}" type="datetimeFigureOut">
               <a:rPr lang="zh-TW" altLang="en-US" smtClean="0"/>
-              <a:t>2018/7/17</a:t>
+              <a:t>2019/10/10</a:t>
             </a:fld>
             <a:endParaRPr lang="zh-TW" altLang="en-US"/>
           </a:p>
@@ -2521,9 +2526,14 @@
 <p:sldMaster xmlns:a="http://schemas.openxmlformats.org/drawingml/2006/main" xmlns:r="http://schemas.openxmlformats.org/officeDocument/2006/relationships" xmlns:p="http://schemas.openxmlformats.org/presentationml/2006/main">
   <p:cSld>
     <p:bg>
-      <p:bgRef idx="1001">
-        <a:schemeClr val="bg1"/>
-      </p:bgRef>
+      <p:bgPr>
+        <a:blipFill dpi="0" rotWithShape="1">
+          <a:blip r:embed="rId13"/>
+          <a:srcRect/>
+          <a:tile tx="0" ty="0" sx="100000" sy="100000" flip="none" algn="tl"/>
+        </a:blipFill>
+        <a:effectLst/>
+      </p:bgPr>
     </p:bg>
     <p:spTree>
       <p:nvGrpSpPr>
@@ -2551,8 +2561,8 @@
         </p:nvSpPr>
         <p:spPr>
           <a:xfrm>
-            <a:off x="457200" y="274638"/>
-            <a:ext cx="8229600" cy="1143000"/>
+            <a:off x="457200" y="205979"/>
+            <a:ext cx="8229600" cy="857250"/>
           </a:xfrm>
           <a:prstGeom prst="rect">
             <a:avLst/>
@@ -2584,8 +2594,8 @@
         </p:nvSpPr>
         <p:spPr>
           <a:xfrm>
-            <a:off x="457200" y="1600200"/>
-            <a:ext cx="8229600" cy="4525963"/>
+            <a:off x="457200" y="1200151"/>
+            <a:ext cx="8229600" cy="3394472"/>
           </a:xfrm>
           <a:prstGeom prst="rect">
             <a:avLst/>
@@ -2646,8 +2656,8 @@
         </p:nvSpPr>
         <p:spPr>
           <a:xfrm>
-            <a:off x="457200" y="6356350"/>
-            <a:ext cx="2133600" cy="365125"/>
+            <a:off x="457200" y="4767263"/>
+            <a:ext cx="2133600" cy="273844"/>
           </a:xfrm>
           <a:prstGeom prst="rect">
             <a:avLst/>
@@ -2669,7 +2679,7 @@
           <a:p>
             <a:fld id="{AA5D9FA9-CE5A-48A6-B3BE-EC410BA02A91}" type="datetimeFigureOut">
               <a:rPr lang="zh-TW" altLang="en-US" smtClean="0"/>
-              <a:t>2018/7/17</a:t>
+              <a:t>2019/10/10</a:t>
             </a:fld>
             <a:endParaRPr lang="zh-TW" altLang="en-US"/>
           </a:p>
@@ -2687,8 +2697,8 @@
         </p:nvSpPr>
         <p:spPr>
           <a:xfrm>
-            <a:off x="3124200" y="6356350"/>
-            <a:ext cx="2895600" cy="365125"/>
+            <a:off x="3124200" y="4767263"/>
+            <a:ext cx="2895600" cy="273844"/>
           </a:xfrm>
           <a:prstGeom prst="rect">
             <a:avLst/>
@@ -2724,8 +2734,8 @@
         </p:nvSpPr>
         <p:spPr>
           <a:xfrm>
-            <a:off x="6553200" y="6356350"/>
-            <a:ext cx="2133600" cy="365125"/>
+            <a:off x="6553200" y="4767263"/>
+            <a:ext cx="2133600" cy="273844"/>
           </a:xfrm>
           <a:prstGeom prst="rect">
             <a:avLst/>
@@ -2757,17 +2767,17 @@
   </p:cSld>
   <p:clrMap bg1="lt1" tx1="dk1" bg2="lt2" tx2="dk2" accent1="accent1" accent2="accent2" accent3="accent3" accent4="accent4" accent5="accent5" accent6="accent6" hlink="hlink" folHlink="folHlink"/>
   <p:sldLayoutIdLst>
-    <p:sldLayoutId id="2147483649" r:id="rId1"/>
-    <p:sldLayoutId id="2147483650" r:id="rId2"/>
-    <p:sldLayoutId id="2147483651" r:id="rId3"/>
-    <p:sldLayoutId id="2147483652" r:id="rId4"/>
-    <p:sldLayoutId id="2147483653" r:id="rId5"/>
-    <p:sldLayoutId id="2147483654" r:id="rId6"/>
-    <p:sldLayoutId id="2147483655" r:id="rId7"/>
-    <p:sldLayoutId id="2147483656" r:id="rId8"/>
-    <p:sldLayoutId id="2147483657" r:id="rId9"/>
-    <p:sldLayoutId id="2147483658" r:id="rId10"/>
-    <p:sldLayoutId id="2147483659" r:id="rId11"/>
+    <p:sldLayoutId id="2147483661" r:id="rId1"/>
+    <p:sldLayoutId id="2147483662" r:id="rId2"/>
+    <p:sldLayoutId id="2147483663" r:id="rId3"/>
+    <p:sldLayoutId id="2147483664" r:id="rId4"/>
+    <p:sldLayoutId id="2147483665" r:id="rId5"/>
+    <p:sldLayoutId id="2147483666" r:id="rId6"/>
+    <p:sldLayoutId id="2147483667" r:id="rId7"/>
+    <p:sldLayoutId id="2147483668" r:id="rId8"/>
+    <p:sldLayoutId id="2147483669" r:id="rId9"/>
+    <p:sldLayoutId id="2147483670" r:id="rId10"/>
+    <p:sldLayoutId id="2147483671" r:id="rId11"/>
   </p:sldLayoutIdLst>
   <p:txStyles>
     <p:titleStyle>
@@ -3051,54 +3061,56 @@
         </p:nvSpPr>
         <p:spPr/>
         <p:txBody>
-          <a:bodyPr/>
-          <a:lstStyle/>
-          <a:p>
-            <a:r>
-              <a:rPr lang="zh-TW" altLang="en-US" b="1" dirty="0">
-                <a:latin typeface="微軟正黑體" pitchFamily="34" charset="-120"/>
-                <a:ea typeface="微軟正黑體" pitchFamily="34" charset="-120"/>
-              </a:rPr>
-              <a:t>你的愛</a:t>
-            </a:r>
-          </a:p>
-        </p:txBody>
-      </p:sp>
-      <p:sp>
-        <p:nvSpPr>
-          <p:cNvPr id="3" name="內容版面配置區 2"/>
-          <p:cNvSpPr>
-            <a:spLocks noGrp="1"/>
-          </p:cNvSpPr>
-          <p:nvPr>
-            <p:ph idx="1"/>
-          </p:nvPr>
-        </p:nvSpPr>
-        <p:spPr/>
-        <p:txBody>
           <a:bodyPr>
             <a:normAutofit/>
           </a:bodyPr>
           <a:lstStyle/>
           <a:p>
+            <a:r>
+              <a:rPr lang="zh-TW" altLang="en-US" sz="4000" b="1" dirty="0">
+                <a:latin typeface="微軟正黑體" pitchFamily="34" charset="-120"/>
+                <a:ea typeface="微軟正黑體" pitchFamily="34" charset="-120"/>
+              </a:rPr>
+              <a:t>你的愛</a:t>
+            </a:r>
+          </a:p>
+        </p:txBody>
+      </p:sp>
+      <p:sp>
+        <p:nvSpPr>
+          <p:cNvPr id="3" name="內容版面配置區 2"/>
+          <p:cNvSpPr>
+            <a:spLocks noGrp="1"/>
+          </p:cNvSpPr>
+          <p:nvPr>
+            <p:ph idx="1"/>
+          </p:nvPr>
+        </p:nvSpPr>
+        <p:spPr/>
+        <p:txBody>
+          <a:bodyPr>
+            <a:noAutofit/>
+          </a:bodyPr>
+          <a:lstStyle/>
+          <a:p>
             <a:pPr algn="ctr">
               <a:buNone/>
             </a:pPr>
             <a:r>
-              <a:rPr lang="zh-TW" altLang="en-US" sz="5400" b="1" dirty="0">
+              <a:rPr lang="zh-TW" altLang="en-US" sz="4800" b="1" dirty="0">
                 <a:latin typeface="微軟正黑體" pitchFamily="34" charset="-120"/>
                 <a:ea typeface="微軟正黑體" pitchFamily="34" charset="-120"/>
               </a:rPr>
               <a:t>你創造宇宙</a:t>
             </a:r>
             <a:r>
-              <a:rPr lang="zh-TW" altLang="en-US" sz="5400" b="1" dirty="0" smtClean="0">
+              <a:rPr lang="zh-TW" altLang="en-US" sz="4800" b="1" dirty="0" smtClean="0">
                 <a:latin typeface="微軟正黑體" pitchFamily="34" charset="-120"/>
                 <a:ea typeface="微軟正黑體" pitchFamily="34" charset="-120"/>
               </a:rPr>
               <a:t>萬物</a:t>
             </a:r>
-            <a:endParaRPr lang="en-US" altLang="zh-TW" sz="5400" b="1" dirty="0" smtClean="0">
+            <a:endParaRPr lang="en-US" altLang="zh-TW" sz="4800" b="1" dirty="0" smtClean="0">
               <a:latin typeface="微軟正黑體" pitchFamily="34" charset="-120"/>
               <a:ea typeface="微軟正黑體" pitchFamily="34" charset="-120"/>
             </a:endParaRPr>
@@ -3108,27 +3120,27 @@
               <a:buNone/>
             </a:pPr>
             <a:r>
-              <a:rPr lang="zh-TW" altLang="en-US" sz="5400" b="1" dirty="0" smtClean="0">
+              <a:rPr lang="zh-TW" altLang="en-US" sz="4800" b="1" dirty="0" smtClean="0">
                 <a:latin typeface="微軟正黑體" pitchFamily="34" charset="-120"/>
                 <a:ea typeface="微軟正黑體" pitchFamily="34" charset="-120"/>
               </a:rPr>
               <a:t>統</a:t>
             </a:r>
             <a:r>
-              <a:rPr lang="zh-TW" altLang="en-US" sz="5400" b="1" dirty="0">
+              <a:rPr lang="zh-TW" altLang="en-US" sz="4800" b="1" dirty="0">
                 <a:latin typeface="微軟正黑體" pitchFamily="34" charset="-120"/>
                 <a:ea typeface="微軟正黑體" pitchFamily="34" charset="-120"/>
               </a:rPr>
               <a:t>管一切</a:t>
             </a:r>
             <a:r>
-              <a:rPr lang="zh-TW" altLang="en-US" sz="5400" b="1" dirty="0" smtClean="0">
+              <a:rPr lang="zh-TW" altLang="en-US" sz="4800" b="1" dirty="0" smtClean="0">
                 <a:latin typeface="微軟正黑體" pitchFamily="34" charset="-120"/>
                 <a:ea typeface="微軟正黑體" pitchFamily="34" charset="-120"/>
               </a:rPr>
               <a:t>所有</a:t>
             </a:r>
-            <a:endParaRPr lang="en-US" altLang="zh-TW" sz="5400" b="1" dirty="0">
+            <a:endParaRPr lang="en-US" altLang="zh-TW" sz="4800" b="1" dirty="0">
               <a:latin typeface="微軟正黑體" pitchFamily="34" charset="-120"/>
               <a:ea typeface="微軟正黑體" pitchFamily="34" charset="-120"/>
             </a:endParaRPr>
@@ -3138,27 +3150,27 @@
               <a:buNone/>
             </a:pPr>
             <a:r>
-              <a:rPr lang="zh-TW" altLang="en-US" sz="5400" b="1" dirty="0" smtClean="0">
+              <a:rPr lang="zh-TW" altLang="en-US" sz="4800" b="1" dirty="0" smtClean="0">
                 <a:latin typeface="微軟正黑體" pitchFamily="34" charset="-120"/>
                 <a:ea typeface="微軟正黑體" pitchFamily="34" charset="-120"/>
               </a:rPr>
               <a:t>但</a:t>
             </a:r>
             <a:r>
-              <a:rPr lang="zh-TW" altLang="en-US" sz="5400" b="1" dirty="0">
+              <a:rPr lang="zh-TW" altLang="en-US" sz="4800" b="1" dirty="0">
                 <a:latin typeface="微軟正黑體" pitchFamily="34" charset="-120"/>
                 <a:ea typeface="微軟正黑體" pitchFamily="34" charset="-120"/>
               </a:rPr>
               <a:t>你卻關心我的</a:t>
             </a:r>
             <a:r>
-              <a:rPr lang="zh-TW" altLang="en-US" sz="5400" b="1" dirty="0" smtClean="0">
+              <a:rPr lang="zh-TW" altLang="en-US" sz="4800" b="1" dirty="0" smtClean="0">
                 <a:latin typeface="微軟正黑體" pitchFamily="34" charset="-120"/>
                 <a:ea typeface="微軟正黑體" pitchFamily="34" charset="-120"/>
               </a:rPr>
               <a:t>需要</a:t>
             </a:r>
-            <a:endParaRPr lang="en-US" altLang="zh-TW" sz="5400" b="1" dirty="0" smtClean="0">
+            <a:endParaRPr lang="en-US" altLang="zh-TW" sz="4800" b="1" dirty="0" smtClean="0">
               <a:latin typeface="微軟正黑體" pitchFamily="34" charset="-120"/>
               <a:ea typeface="微軟正黑體" pitchFamily="34" charset="-120"/>
             </a:endParaRPr>
@@ -3168,14 +3180,14 @@
               <a:buNone/>
             </a:pPr>
             <a:r>
-              <a:rPr lang="zh-TW" altLang="en-US" sz="5400" b="1" dirty="0" smtClean="0">
+              <a:rPr lang="zh-TW" altLang="en-US" sz="4800" b="1" dirty="0" smtClean="0">
                 <a:latin typeface="微軟正黑體" pitchFamily="34" charset="-120"/>
                 <a:ea typeface="微軟正黑體" pitchFamily="34" charset="-120"/>
               </a:rPr>
               <a:t>瞭解</a:t>
             </a:r>
             <a:r>
-              <a:rPr lang="zh-TW" altLang="en-US" sz="5400" b="1" dirty="0">
+              <a:rPr lang="zh-TW" altLang="en-US" sz="4800" b="1" dirty="0">
                 <a:latin typeface="微軟正黑體" pitchFamily="34" charset="-120"/>
                 <a:ea typeface="微軟正黑體" pitchFamily="34" charset="-120"/>
               </a:rPr>
@@ -3221,47 +3233,49 @@
         </p:nvSpPr>
         <p:spPr/>
         <p:txBody>
-          <a:bodyPr/>
-          <a:lstStyle/>
-          <a:p>
-            <a:r>
-              <a:rPr lang="zh-TW" altLang="en-US" b="1" dirty="0">
-                <a:latin typeface="微軟正黑體" pitchFamily="34" charset="-120"/>
-                <a:ea typeface="微軟正黑體" pitchFamily="34" charset="-120"/>
-              </a:rPr>
-              <a:t>你的愛</a:t>
-            </a:r>
-          </a:p>
-        </p:txBody>
-      </p:sp>
-      <p:sp>
-        <p:nvSpPr>
-          <p:cNvPr id="3" name="內容版面配置區 2"/>
-          <p:cNvSpPr>
-            <a:spLocks noGrp="1"/>
-          </p:cNvSpPr>
-          <p:nvPr>
-            <p:ph idx="1"/>
-          </p:nvPr>
-        </p:nvSpPr>
-        <p:spPr/>
-        <p:txBody>
           <a:bodyPr>
             <a:normAutofit/>
           </a:bodyPr>
           <a:lstStyle/>
           <a:p>
+            <a:r>
+              <a:rPr lang="zh-TW" altLang="en-US" sz="4000" b="1" dirty="0">
+                <a:latin typeface="微軟正黑體" pitchFamily="34" charset="-120"/>
+                <a:ea typeface="微軟正黑體" pitchFamily="34" charset="-120"/>
+              </a:rPr>
+              <a:t>你的愛</a:t>
+            </a:r>
+          </a:p>
+        </p:txBody>
+      </p:sp>
+      <p:sp>
+        <p:nvSpPr>
+          <p:cNvPr id="3" name="內容版面配置區 2"/>
+          <p:cNvSpPr>
+            <a:spLocks noGrp="1"/>
+          </p:cNvSpPr>
+          <p:nvPr>
+            <p:ph idx="1"/>
+          </p:nvPr>
+        </p:nvSpPr>
+        <p:spPr/>
+        <p:txBody>
+          <a:bodyPr>
+            <a:noAutofit/>
+          </a:bodyPr>
+          <a:lstStyle/>
+          <a:p>
             <a:pPr algn="ctr">
               <a:buNone/>
             </a:pPr>
             <a:r>
-              <a:rPr lang="zh-TW" altLang="en-US" sz="5400" b="1" dirty="0">
+              <a:rPr lang="zh-TW" altLang="en-US" sz="4800" b="1" dirty="0">
                 <a:latin typeface="微軟正黑體" pitchFamily="34" charset="-120"/>
                 <a:ea typeface="微軟正黑體" pitchFamily="34" charset="-120"/>
               </a:rPr>
               <a:t>你手鋪陳天上雲彩</a:t>
             </a:r>
-            <a:endParaRPr lang="en-US" altLang="zh-TW" sz="5400" b="1" dirty="0">
+            <a:endParaRPr lang="en-US" altLang="zh-TW" sz="4800" b="1" dirty="0">
               <a:latin typeface="微軟正黑體" pitchFamily="34" charset="-120"/>
               <a:ea typeface="微軟正黑體" pitchFamily="34" charset="-120"/>
             </a:endParaRPr>
@@ -3271,13 +3285,13 @@
               <a:buNone/>
             </a:pPr>
             <a:r>
-              <a:rPr lang="zh-TW" altLang="en-US" sz="5400" b="1" dirty="0">
+              <a:rPr lang="zh-TW" altLang="en-US" sz="4800" b="1" dirty="0">
                 <a:latin typeface="微軟正黑體" pitchFamily="34" charset="-120"/>
                 <a:ea typeface="微軟正黑體" pitchFamily="34" charset="-120"/>
               </a:rPr>
               <a:t>打造永恆國度</a:t>
             </a:r>
-            <a:endParaRPr lang="en-US" altLang="zh-TW" sz="5400" b="1" dirty="0">
+            <a:endParaRPr lang="en-US" altLang="zh-TW" sz="4800" b="1" dirty="0">
               <a:latin typeface="微軟正黑體" pitchFamily="34" charset="-120"/>
               <a:ea typeface="微軟正黑體" pitchFamily="34" charset="-120"/>
             </a:endParaRPr>
@@ -3287,13 +3301,13 @@
               <a:buNone/>
             </a:pPr>
             <a:r>
-              <a:rPr lang="zh-TW" altLang="en-US" sz="5400" b="1" dirty="0">
+              <a:rPr lang="zh-TW" altLang="en-US" sz="4800" b="1" dirty="0">
                 <a:latin typeface="微軟正黑體" pitchFamily="34" charset="-120"/>
                 <a:ea typeface="微軟正黑體" pitchFamily="34" charset="-120"/>
               </a:rPr>
               <a:t>但這雙手卻甘心為我</a:t>
             </a:r>
-            <a:endParaRPr lang="en-US" altLang="zh-TW" sz="5400" b="1" dirty="0">
+            <a:endParaRPr lang="en-US" altLang="zh-TW" sz="4800" b="1" dirty="0">
               <a:latin typeface="微軟正黑體" pitchFamily="34" charset="-120"/>
               <a:ea typeface="微軟正黑體" pitchFamily="34" charset="-120"/>
             </a:endParaRPr>
@@ -3303,7 +3317,7 @@
               <a:buNone/>
             </a:pPr>
             <a:r>
-              <a:rPr lang="zh-TW" altLang="en-US" sz="5400" b="1" dirty="0">
+              <a:rPr lang="zh-TW" altLang="en-US" sz="4800" b="1" dirty="0">
                 <a:latin typeface="微軟正黑體" pitchFamily="34" charset="-120"/>
                 <a:ea typeface="微軟正黑體" pitchFamily="34" charset="-120"/>
               </a:rPr>
@@ -3349,52 +3363,54 @@
         </p:nvSpPr>
         <p:spPr/>
         <p:txBody>
-          <a:bodyPr/>
-          <a:lstStyle/>
-          <a:p>
-            <a:r>
-              <a:rPr lang="zh-TW" altLang="en-US" b="1" dirty="0">
-                <a:latin typeface="微軟正黑體" pitchFamily="34" charset="-120"/>
-                <a:ea typeface="微軟正黑體" pitchFamily="34" charset="-120"/>
-              </a:rPr>
-              <a:t>你的愛</a:t>
-            </a:r>
-          </a:p>
-        </p:txBody>
-      </p:sp>
-      <p:sp>
-        <p:nvSpPr>
-          <p:cNvPr id="3" name="內容版面配置區 2"/>
-          <p:cNvSpPr>
-            <a:spLocks noGrp="1"/>
-          </p:cNvSpPr>
-          <p:nvPr>
-            <p:ph idx="1"/>
-          </p:nvPr>
-        </p:nvSpPr>
-        <p:spPr>
-          <a:xfrm>
-            <a:off x="457200" y="1600200"/>
-            <a:ext cx="8229600" cy="5257800"/>
-          </a:xfrm>
-        </p:spPr>
-        <p:txBody>
           <a:bodyPr>
             <a:normAutofit/>
           </a:bodyPr>
           <a:lstStyle/>
           <a:p>
+            <a:r>
+              <a:rPr lang="zh-TW" altLang="en-US" sz="4000" b="1" dirty="0">
+                <a:latin typeface="微軟正黑體" pitchFamily="34" charset="-120"/>
+                <a:ea typeface="微軟正黑體" pitchFamily="34" charset="-120"/>
+              </a:rPr>
+              <a:t>你的愛</a:t>
+            </a:r>
+          </a:p>
+        </p:txBody>
+      </p:sp>
+      <p:sp>
+        <p:nvSpPr>
+          <p:cNvPr id="3" name="內容版面配置區 2"/>
+          <p:cNvSpPr>
+            <a:spLocks noGrp="1"/>
+          </p:cNvSpPr>
+          <p:nvPr>
+            <p:ph idx="1"/>
+          </p:nvPr>
+        </p:nvSpPr>
+        <p:spPr>
+          <a:xfrm>
+            <a:off x="0" y="1200150"/>
+            <a:ext cx="9144000" cy="3943350"/>
+          </a:xfrm>
+        </p:spPr>
+        <p:txBody>
+          <a:bodyPr>
+            <a:noAutofit/>
+          </a:bodyPr>
+          <a:lstStyle/>
+          <a:p>
             <a:pPr algn="ctr">
               <a:buNone/>
             </a:pPr>
             <a:r>
-              <a:rPr lang="zh-TW" altLang="en-US" sz="5400" b="1" dirty="0">
+              <a:rPr lang="zh-TW" altLang="en-US" sz="4800" b="1" dirty="0">
                 <a:latin typeface="微軟正黑體" pitchFamily="34" charset="-120"/>
                 <a:ea typeface="微軟正黑體" pitchFamily="34" charset="-120"/>
               </a:rPr>
               <a:t>你公義審判萬民</a:t>
             </a:r>
-            <a:endParaRPr lang="en-US" altLang="zh-TW" sz="5400" b="1" dirty="0">
+            <a:endParaRPr lang="en-US" altLang="zh-TW" sz="4800" b="1" dirty="0">
               <a:latin typeface="微軟正黑體" pitchFamily="34" charset="-120"/>
               <a:ea typeface="微軟正黑體" pitchFamily="34" charset="-120"/>
             </a:endParaRPr>
@@ -3404,13 +3420,20 @@
               <a:buNone/>
             </a:pPr>
             <a:r>
-              <a:rPr lang="zh-TW" altLang="en-US" sz="5400" b="1" dirty="0">
-                <a:latin typeface="微軟正黑體" pitchFamily="34" charset="-120"/>
-                <a:ea typeface="微軟正黑體" pitchFamily="34" charset="-120"/>
-              </a:rPr>
-              <a:t>聖潔光照全地</a:t>
-            </a:r>
-            <a:endParaRPr lang="en-US" altLang="zh-TW" sz="5400" b="1" dirty="0">
+              <a:rPr lang="zh-TW" altLang="en-US" sz="4800" b="1" dirty="0">
+                <a:latin typeface="微軟正黑體" pitchFamily="34" charset="-120"/>
+                <a:ea typeface="微軟正黑體" pitchFamily="34" charset="-120"/>
+              </a:rPr>
+              <a:t>聖潔光照全</a:t>
+            </a:r>
+            <a:r>
+              <a:rPr lang="zh-TW" altLang="en-US" sz="4800" b="1" dirty="0" smtClean="0">
+                <a:latin typeface="微軟正黑體" pitchFamily="34" charset="-120"/>
+                <a:ea typeface="微軟正黑體" pitchFamily="34" charset="-120"/>
+              </a:rPr>
+              <a:t>地</a:t>
+            </a:r>
+            <a:endParaRPr lang="en-US" altLang="zh-TW" sz="4800" b="1" dirty="0" smtClean="0">
               <a:latin typeface="微軟正黑體" pitchFamily="34" charset="-120"/>
               <a:ea typeface="微軟正黑體" pitchFamily="34" charset="-120"/>
             </a:endParaRPr>
@@ -3420,13 +3443,13 @@
               <a:buNone/>
             </a:pPr>
             <a:r>
-              <a:rPr lang="zh-TW" altLang="en-US" sz="5400" b="1" dirty="0">
+              <a:rPr lang="zh-TW" altLang="en-US" sz="4800" b="1" dirty="0" smtClean="0">
                 <a:latin typeface="微軟正黑體" pitchFamily="34" charset="-120"/>
                 <a:ea typeface="微軟正黑體" pitchFamily="34" charset="-120"/>
               </a:rPr>
               <a:t>但你卻一再賜恩典</a:t>
             </a:r>
-            <a:endParaRPr lang="en-US" altLang="zh-TW" sz="5400" b="1" dirty="0">
+            <a:endParaRPr lang="en-US" altLang="zh-TW" sz="4800" b="1" dirty="0" smtClean="0">
               <a:latin typeface="微軟正黑體" pitchFamily="34" charset="-120"/>
               <a:ea typeface="微軟正黑體" pitchFamily="34" charset="-120"/>
             </a:endParaRPr>
@@ -3436,27 +3459,32 @@
               <a:buNone/>
             </a:pPr>
             <a:r>
-              <a:rPr lang="zh-TW" altLang="en-US" sz="5400" b="1" dirty="0">
-                <a:latin typeface="微軟正黑體" pitchFamily="34" charset="-120"/>
-                <a:ea typeface="微軟正黑體" pitchFamily="34" charset="-120"/>
-              </a:rPr>
-              <a:t>一再施憐憫</a:t>
-            </a:r>
-            <a:endParaRPr lang="en-US" altLang="zh-TW" sz="5400" b="1" dirty="0">
-              <a:latin typeface="微軟正黑體" pitchFamily="34" charset="-120"/>
-              <a:ea typeface="微軟正黑體" pitchFamily="34" charset="-120"/>
-            </a:endParaRPr>
-          </a:p>
-          <a:p>
-            <a:pPr algn="ctr">
-              <a:buNone/>
-            </a:pPr>
-            <a:r>
-              <a:rPr lang="zh-TW" altLang="en-US" sz="5400" b="1" dirty="0">
-                <a:latin typeface="微軟正黑體" pitchFamily="34" charset="-120"/>
-                <a:ea typeface="微軟正黑體" pitchFamily="34" charset="-120"/>
-              </a:rPr>
-              <a:t>給我機會回轉向你</a:t>
+              <a:rPr lang="zh-TW" altLang="en-US" sz="4800" b="1" dirty="0" smtClean="0">
+                <a:latin typeface="微軟正黑體" pitchFamily="34" charset="-120"/>
+                <a:ea typeface="微軟正黑體" pitchFamily="34" charset="-120"/>
+              </a:rPr>
+              <a:t>一</a:t>
+            </a:r>
+            <a:r>
+              <a:rPr lang="zh-TW" altLang="en-US" sz="4800" b="1" dirty="0">
+                <a:latin typeface="微軟正黑體" pitchFamily="34" charset="-120"/>
+                <a:ea typeface="微軟正黑體" pitchFamily="34" charset="-120"/>
+              </a:rPr>
+              <a:t>再施憐</a:t>
+            </a:r>
+            <a:r>
+              <a:rPr lang="zh-TW" altLang="en-US" sz="4800" b="1" dirty="0" smtClean="0">
+                <a:latin typeface="微軟正黑體" pitchFamily="34" charset="-120"/>
+                <a:ea typeface="微軟正黑體" pitchFamily="34" charset="-120"/>
+              </a:rPr>
+              <a:t>憫  給</a:t>
+            </a:r>
+            <a:r>
+              <a:rPr lang="zh-TW" altLang="en-US" sz="4800" b="1" dirty="0">
+                <a:latin typeface="微軟正黑體" pitchFamily="34" charset="-120"/>
+                <a:ea typeface="微軟正黑體" pitchFamily="34" charset="-120"/>
+              </a:rPr>
+              <a:t>我機會回轉向你</a:t>
             </a:r>
           </a:p>
         </p:txBody>
@@ -3498,52 +3526,54 @@
         </p:nvSpPr>
         <p:spPr/>
         <p:txBody>
-          <a:bodyPr/>
-          <a:lstStyle/>
-          <a:p>
-            <a:r>
-              <a:rPr lang="zh-TW" altLang="en-US" b="1" dirty="0">
-                <a:latin typeface="微軟正黑體" pitchFamily="34" charset="-120"/>
-                <a:ea typeface="微軟正黑體" pitchFamily="34" charset="-120"/>
-              </a:rPr>
-              <a:t>你的愛</a:t>
-            </a:r>
-          </a:p>
-        </p:txBody>
-      </p:sp>
-      <p:sp>
-        <p:nvSpPr>
-          <p:cNvPr id="3" name="內容版面配置區 2"/>
-          <p:cNvSpPr>
-            <a:spLocks noGrp="1"/>
-          </p:cNvSpPr>
-          <p:nvPr>
-            <p:ph idx="1"/>
-          </p:nvPr>
-        </p:nvSpPr>
-        <p:spPr>
-          <a:xfrm>
-            <a:off x="457200" y="1600200"/>
-            <a:ext cx="8229600" cy="5257800"/>
-          </a:xfrm>
-        </p:spPr>
-        <p:txBody>
           <a:bodyPr>
             <a:normAutofit/>
           </a:bodyPr>
           <a:lstStyle/>
           <a:p>
+            <a:r>
+              <a:rPr lang="zh-TW" altLang="en-US" sz="4000" b="1" dirty="0">
+                <a:latin typeface="微軟正黑體" pitchFamily="34" charset="-120"/>
+                <a:ea typeface="微軟正黑體" pitchFamily="34" charset="-120"/>
+              </a:rPr>
+              <a:t>你的愛</a:t>
+            </a:r>
+          </a:p>
+        </p:txBody>
+      </p:sp>
+      <p:sp>
+        <p:nvSpPr>
+          <p:cNvPr id="3" name="內容版面配置區 2"/>
+          <p:cNvSpPr>
+            <a:spLocks noGrp="1"/>
+          </p:cNvSpPr>
+          <p:nvPr>
+            <p:ph idx="1"/>
+          </p:nvPr>
+        </p:nvSpPr>
+        <p:spPr>
+          <a:xfrm>
+            <a:off x="457200" y="1200150"/>
+            <a:ext cx="8229600" cy="3943350"/>
+          </a:xfrm>
+        </p:spPr>
+        <p:txBody>
+          <a:bodyPr>
+            <a:normAutofit/>
+          </a:bodyPr>
+          <a:lstStyle/>
+          <a:p>
             <a:pPr algn="ctr">
               <a:buNone/>
             </a:pPr>
             <a:r>
-              <a:rPr lang="zh-TW" altLang="en-US" sz="5400" b="1" dirty="0">
+              <a:rPr lang="zh-TW" altLang="en-US" sz="4800" b="1" dirty="0">
                 <a:latin typeface="微軟正黑體" pitchFamily="34" charset="-120"/>
                 <a:ea typeface="微軟正黑體" pitchFamily="34" charset="-120"/>
               </a:rPr>
               <a:t>你的愛如此溫柔</a:t>
             </a:r>
-            <a:endParaRPr lang="en-US" altLang="zh-TW" sz="5400" b="1" dirty="0">
+            <a:endParaRPr lang="en-US" altLang="zh-TW" sz="4800" b="1" dirty="0">
               <a:latin typeface="微軟正黑體" pitchFamily="34" charset="-120"/>
               <a:ea typeface="微軟正黑體" pitchFamily="34" charset="-120"/>
             </a:endParaRPr>
@@ -3553,13 +3583,13 @@
               <a:buNone/>
             </a:pPr>
             <a:r>
-              <a:rPr lang="zh-TW" altLang="en-US" sz="5400" b="1" dirty="0">
+              <a:rPr lang="zh-TW" altLang="en-US" sz="4800" b="1" dirty="0">
                 <a:latin typeface="微軟正黑體" pitchFamily="34" charset="-120"/>
                 <a:ea typeface="微軟正黑體" pitchFamily="34" charset="-120"/>
               </a:rPr>
               <a:t>超乎我心所想</a:t>
             </a:r>
-            <a:endParaRPr lang="en-US" altLang="zh-TW" sz="5400" b="1" dirty="0">
+            <a:endParaRPr lang="en-US" altLang="zh-TW" sz="4800" b="1" dirty="0">
               <a:latin typeface="微軟正黑體" pitchFamily="34" charset="-120"/>
               <a:ea typeface="微軟正黑體" pitchFamily="34" charset="-120"/>
             </a:endParaRPr>
@@ -3569,13 +3599,13 @@
               <a:buNone/>
             </a:pPr>
             <a:r>
-              <a:rPr lang="zh-TW" altLang="en-US" sz="5400" b="1" dirty="0">
+              <a:rPr lang="zh-TW" altLang="en-US" sz="4800" b="1" dirty="0">
                 <a:latin typeface="微軟正黑體" pitchFamily="34" charset="-120"/>
                 <a:ea typeface="微軟正黑體" pitchFamily="34" charset="-120"/>
               </a:rPr>
               <a:t>這樣大有能力的主</a:t>
             </a:r>
-            <a:endParaRPr lang="en-US" altLang="zh-TW" sz="5400" b="1" dirty="0">
+            <a:endParaRPr lang="en-US" altLang="zh-TW" sz="4800" b="1" dirty="0">
               <a:latin typeface="微軟正黑體" pitchFamily="34" charset="-120"/>
               <a:ea typeface="微軟正黑體" pitchFamily="34" charset="-120"/>
             </a:endParaRPr>
@@ -3585,7 +3615,7 @@
               <a:buNone/>
             </a:pPr>
             <a:r>
-              <a:rPr lang="zh-TW" altLang="en-US" sz="5400" b="1" dirty="0">
+              <a:rPr lang="zh-TW" altLang="en-US" sz="4800" b="1" dirty="0">
                 <a:latin typeface="微軟正黑體" pitchFamily="34" charset="-120"/>
                 <a:ea typeface="微軟正黑體" pitchFamily="34" charset="-120"/>
               </a:rPr>
@@ -3631,52 +3661,94 @@
         </p:nvSpPr>
         <p:spPr/>
         <p:txBody>
-          <a:bodyPr/>
-          <a:lstStyle/>
-          <a:p>
-            <a:r>
-              <a:rPr lang="zh-TW" altLang="en-US" b="1" dirty="0">
-                <a:latin typeface="微軟正黑體" pitchFamily="34" charset="-120"/>
-                <a:ea typeface="微軟正黑體" pitchFamily="34" charset="-120"/>
-              </a:rPr>
-              <a:t>你的愛</a:t>
-            </a:r>
-          </a:p>
-        </p:txBody>
-      </p:sp>
-      <p:sp>
-        <p:nvSpPr>
-          <p:cNvPr id="3" name="內容版面配置區 2"/>
-          <p:cNvSpPr>
-            <a:spLocks noGrp="1"/>
-          </p:cNvSpPr>
-          <p:nvPr>
-            <p:ph idx="1"/>
-          </p:nvPr>
-        </p:nvSpPr>
-        <p:spPr>
-          <a:xfrm>
-            <a:off x="457200" y="1600200"/>
-            <a:ext cx="8229600" cy="5257800"/>
-          </a:xfrm>
-        </p:spPr>
-        <p:txBody>
           <a:bodyPr>
             <a:normAutofit/>
           </a:bodyPr>
           <a:lstStyle/>
           <a:p>
+            <a:r>
+              <a:rPr lang="zh-TW" altLang="en-US" sz="4000" b="1" dirty="0">
+                <a:latin typeface="微軟正黑體" pitchFamily="34" charset="-120"/>
+                <a:ea typeface="微軟正黑體" pitchFamily="34" charset="-120"/>
+              </a:rPr>
+              <a:t>你的愛</a:t>
+            </a:r>
+          </a:p>
+        </p:txBody>
+      </p:sp>
+      <p:sp>
+        <p:nvSpPr>
+          <p:cNvPr id="3" name="內容版面配置區 2"/>
+          <p:cNvSpPr>
+            <a:spLocks noGrp="1"/>
+          </p:cNvSpPr>
+          <p:nvPr>
+            <p:ph idx="1"/>
+          </p:nvPr>
+        </p:nvSpPr>
+        <p:spPr>
+          <a:xfrm>
+            <a:off x="0" y="1200150"/>
+            <a:ext cx="9144000" cy="3943350"/>
+          </a:xfrm>
+        </p:spPr>
+        <p:txBody>
+          <a:bodyPr>
+            <a:noAutofit/>
+          </a:bodyPr>
+          <a:lstStyle/>
+          <a:p>
             <a:pPr algn="ctr">
               <a:buNone/>
             </a:pPr>
             <a:r>
-              <a:rPr lang="zh-TW" altLang="en-US" sz="5400" b="1" dirty="0">
-                <a:latin typeface="微軟正黑體" pitchFamily="34" charset="-120"/>
-                <a:ea typeface="微軟正黑體" pitchFamily="34" charset="-120"/>
-              </a:rPr>
-              <a:t>你的愛如此深切</a:t>
-            </a:r>
-            <a:endParaRPr lang="en-US" altLang="zh-TW" sz="5400" b="1" dirty="0">
+              <a:rPr lang="zh-TW" altLang="en-US" sz="4800" b="1" dirty="0">
+                <a:latin typeface="微軟正黑體" pitchFamily="34" charset="-120"/>
+                <a:ea typeface="微軟正黑體" pitchFamily="34" charset="-120"/>
+              </a:rPr>
+              <a:t>你的愛如此深</a:t>
+            </a:r>
+            <a:r>
+              <a:rPr lang="zh-TW" altLang="en-US" sz="4800" b="1" dirty="0" smtClean="0">
+                <a:latin typeface="微軟正黑體" pitchFamily="34" charset="-120"/>
+                <a:ea typeface="微軟正黑體" pitchFamily="34" charset="-120"/>
+              </a:rPr>
+              <a:t>切</a:t>
+            </a:r>
+            <a:r>
+              <a:rPr lang="en-US" altLang="zh-TW" sz="4800" b="1" dirty="0">
+                <a:latin typeface="微軟正黑體" pitchFamily="34" charset="-120"/>
+                <a:ea typeface="微軟正黑體" pitchFamily="34" charset="-120"/>
+              </a:rPr>
+              <a:t> </a:t>
+            </a:r>
+            <a:r>
+              <a:rPr lang="en-US" altLang="zh-TW" sz="4800" b="1" dirty="0" smtClean="0">
+                <a:latin typeface="微軟正黑體" pitchFamily="34" charset="-120"/>
+                <a:ea typeface="微軟正黑體" pitchFamily="34" charset="-120"/>
+              </a:rPr>
+              <a:t> </a:t>
+            </a:r>
+          </a:p>
+          <a:p>
+            <a:pPr algn="ctr">
+              <a:buNone/>
+            </a:pPr>
+            <a:r>
+              <a:rPr lang="zh-TW" altLang="en-US" sz="4800" b="1" dirty="0" smtClean="0">
+                <a:latin typeface="微軟正黑體" pitchFamily="34" charset="-120"/>
+                <a:ea typeface="微軟正黑體" pitchFamily="34" charset="-120"/>
+              </a:rPr>
+              <a:t>我</a:t>
+            </a:r>
+            <a:r>
+              <a:rPr lang="zh-TW" altLang="en-US" sz="4800" b="1" dirty="0">
+                <a:latin typeface="微軟正黑體" pitchFamily="34" charset="-120"/>
+                <a:ea typeface="微軟正黑體" pitchFamily="34" charset="-120"/>
+              </a:rPr>
+              <a:t>知我無以報答</a:t>
+            </a:r>
+            <a:endParaRPr lang="en-US" altLang="zh-TW" sz="4800" b="1" dirty="0">
               <a:latin typeface="微軟正黑體" pitchFamily="34" charset="-120"/>
               <a:ea typeface="微軟正黑體" pitchFamily="34" charset="-120"/>
             </a:endParaRPr>
@@ -3686,60 +3758,23 @@
               <a:buNone/>
             </a:pPr>
             <a:r>
-              <a:rPr lang="zh-TW" altLang="en-US" sz="5400" b="1" dirty="0">
-                <a:latin typeface="微軟正黑體" pitchFamily="34" charset="-120"/>
-                <a:ea typeface="微軟正黑體" pitchFamily="34" charset="-120"/>
-              </a:rPr>
-              <a:t>我知我無以報答</a:t>
-            </a:r>
-            <a:endParaRPr lang="en-US" altLang="zh-TW" sz="5400" b="1" dirty="0">
+              <a:rPr lang="zh-TW" altLang="en-US" sz="4800" b="1" dirty="0">
+                <a:latin typeface="微軟正黑體" pitchFamily="34" charset="-120"/>
+                <a:ea typeface="微軟正黑體" pitchFamily="34" charset="-120"/>
+              </a:rPr>
+              <a:t>但願倒空我的生</a:t>
+            </a:r>
+            <a:r>
+              <a:rPr lang="zh-TW" altLang="en-US" sz="4800" b="1" dirty="0" smtClean="0">
+                <a:latin typeface="微軟正黑體" pitchFamily="34" charset="-120"/>
+                <a:ea typeface="微軟正黑體" pitchFamily="34" charset="-120"/>
+              </a:rPr>
+              <a:t>命</a:t>
+            </a:r>
+            <a:endParaRPr lang="en-US" altLang="zh-TW" sz="4800" b="1" dirty="0">
               <a:latin typeface="微軟正黑體" pitchFamily="34" charset="-120"/>
               <a:ea typeface="微軟正黑體" pitchFamily="34" charset="-120"/>
             </a:endParaRPr>
-          </a:p>
-          <a:p>
-            <a:pPr algn="ctr">
-              <a:buNone/>
-            </a:pPr>
-            <a:r>
-              <a:rPr lang="zh-TW" altLang="en-US" sz="5400" b="1" dirty="0">
-                <a:latin typeface="微軟正黑體" pitchFamily="34" charset="-120"/>
-                <a:ea typeface="微軟正黑體" pitchFamily="34" charset="-120"/>
-              </a:rPr>
-              <a:t>但願倒空我的生命</a:t>
-            </a:r>
-            <a:endParaRPr lang="en-US" altLang="zh-TW" sz="5400" b="1" dirty="0">
-              <a:latin typeface="微軟正黑體" pitchFamily="34" charset="-120"/>
-              <a:ea typeface="微軟正黑體" pitchFamily="34" charset="-120"/>
-            </a:endParaRPr>
-          </a:p>
-          <a:p>
-            <a:pPr algn="ctr">
-              <a:buNone/>
-            </a:pPr>
-            <a:r>
-              <a:rPr lang="zh-TW" altLang="en-US" sz="5400" b="1" dirty="0">
-                <a:latin typeface="微軟正黑體" pitchFamily="34" charset="-120"/>
-                <a:ea typeface="微軟正黑體" pitchFamily="34" charset="-120"/>
-              </a:rPr>
-              <a:t>學習你謙卑的樣式</a:t>
-            </a:r>
-            <a:endParaRPr lang="en-US" altLang="zh-TW" sz="5400" b="1" dirty="0">
-              <a:latin typeface="微軟正黑體" pitchFamily="34" charset="-120"/>
-              <a:ea typeface="微軟正黑體" pitchFamily="34" charset="-120"/>
-            </a:endParaRPr>
-          </a:p>
-          <a:p>
-            <a:pPr algn="ctr">
-              <a:buNone/>
-            </a:pPr>
-            <a:r>
-              <a:rPr lang="zh-TW" altLang="en-US" sz="5400" b="1" dirty="0">
-                <a:latin typeface="微軟正黑體" pitchFamily="34" charset="-120"/>
-                <a:ea typeface="微軟正黑體" pitchFamily="34" charset="-120"/>
-              </a:rPr>
-              <a:t>背起我自己的十字架</a:t>
-            </a:r>
           </a:p>
         </p:txBody>
       </p:sp>
@@ -3751,8 +3786,123 @@
 </p:sld>
 </file>
 
+<file path=ppt/slides/slide6.xml><?xml version="1.0" encoding="utf-8"?>
+<p:sld xmlns:a="http://schemas.openxmlformats.org/drawingml/2006/main" xmlns:r="http://schemas.openxmlformats.org/officeDocument/2006/relationships" xmlns:p="http://schemas.openxmlformats.org/presentationml/2006/main">
+  <p:cSld>
+    <p:spTree>
+      <p:nvGrpSpPr>
+        <p:cNvPr id="1" name=""/>
+        <p:cNvGrpSpPr/>
+        <p:nvPr/>
+      </p:nvGrpSpPr>
+      <p:grpSpPr>
+        <a:xfrm>
+          <a:off x="0" y="0"/>
+          <a:ext cx="0" cy="0"/>
+          <a:chOff x="0" y="0"/>
+          <a:chExt cx="0" cy="0"/>
+        </a:xfrm>
+      </p:grpSpPr>
+      <p:sp>
+        <p:nvSpPr>
+          <p:cNvPr id="2" name="標題 1"/>
+          <p:cNvSpPr>
+            <a:spLocks noGrp="1"/>
+          </p:cNvSpPr>
+          <p:nvPr>
+            <p:ph type="title"/>
+          </p:nvPr>
+        </p:nvSpPr>
+        <p:spPr/>
+        <p:txBody>
+          <a:bodyPr>
+            <a:normAutofit/>
+          </a:bodyPr>
+          <a:lstStyle/>
+          <a:p>
+            <a:r>
+              <a:rPr lang="zh-TW" altLang="en-US" sz="4000" b="1" dirty="0">
+                <a:latin typeface="微軟正黑體" pitchFamily="34" charset="-120"/>
+                <a:ea typeface="微軟正黑體" pitchFamily="34" charset="-120"/>
+              </a:rPr>
+              <a:t>你的愛</a:t>
+            </a:r>
+          </a:p>
+        </p:txBody>
+      </p:sp>
+      <p:sp>
+        <p:nvSpPr>
+          <p:cNvPr id="3" name="內容版面配置區 2"/>
+          <p:cNvSpPr>
+            <a:spLocks noGrp="1"/>
+          </p:cNvSpPr>
+          <p:nvPr>
+            <p:ph idx="1"/>
+          </p:nvPr>
+        </p:nvSpPr>
+        <p:spPr>
+          <a:xfrm>
+            <a:off x="0" y="1200150"/>
+            <a:ext cx="9144000" cy="3943350"/>
+          </a:xfrm>
+        </p:spPr>
+        <p:txBody>
+          <a:bodyPr>
+            <a:noAutofit/>
+          </a:bodyPr>
+          <a:lstStyle/>
+          <a:p>
+            <a:pPr algn="ctr">
+              <a:buNone/>
+            </a:pPr>
+            <a:r>
+              <a:rPr lang="zh-TW" altLang="en-US" sz="4800" b="1" dirty="0" smtClean="0">
+                <a:latin typeface="微軟正黑體" pitchFamily="34" charset="-120"/>
+                <a:ea typeface="微軟正黑體" pitchFamily="34" charset="-120"/>
+              </a:rPr>
+              <a:t>學</a:t>
+            </a:r>
+            <a:r>
+              <a:rPr lang="zh-TW" altLang="en-US" sz="4800" b="1" dirty="0">
+                <a:latin typeface="微軟正黑體" pitchFamily="34" charset="-120"/>
+                <a:ea typeface="微軟正黑體" pitchFamily="34" charset="-120"/>
+              </a:rPr>
+              <a:t>習你謙卑的樣式</a:t>
+            </a:r>
+            <a:endParaRPr lang="en-US" altLang="zh-TW" sz="4800" b="1" dirty="0">
+              <a:latin typeface="微軟正黑體" pitchFamily="34" charset="-120"/>
+              <a:ea typeface="微軟正黑體" pitchFamily="34" charset="-120"/>
+            </a:endParaRPr>
+          </a:p>
+          <a:p>
+            <a:pPr algn="ctr">
+              <a:buNone/>
+            </a:pPr>
+            <a:r>
+              <a:rPr lang="zh-TW" altLang="en-US" sz="4800" b="1" dirty="0">
+                <a:latin typeface="微軟正黑體" pitchFamily="34" charset="-120"/>
+                <a:ea typeface="微軟正黑體" pitchFamily="34" charset="-120"/>
+              </a:rPr>
+              <a:t>背起我自己的十字架</a:t>
+            </a:r>
+          </a:p>
+        </p:txBody>
+      </p:sp>
+    </p:spTree>
+    <p:extLst>
+      <p:ext uri="{BB962C8B-B14F-4D97-AF65-F5344CB8AC3E}">
+        <p14:creationId xmlns:p14="http://schemas.microsoft.com/office/powerpoint/2010/main" val="3767142376"/>
+      </p:ext>
+    </p:extLst>
+  </p:cSld>
+  <p:clrMapOvr>
+    <a:masterClrMapping/>
+  </p:clrMapOvr>
+</p:sld>
+</file>
+
 <file path=ppt/theme/theme1.xml><?xml version="1.0" encoding="utf-8"?>
-<a:theme xmlns:a="http://schemas.openxmlformats.org/drawingml/2006/main" name="Office 佈景主題">
+<a:theme xmlns:a="http://schemas.openxmlformats.org/drawingml/2006/main" name="Church Theme">
   <a:themeElements>
     <a:clrScheme name="Office">
       <a:dk1>

--- a/你的愛.pptx
+++ b/你的愛.pptx
@@ -109,6 +109,22 @@
       </a:defRPr>
     </a:lvl9pPr>
   </p:defaultTextStyle>
+  <p:extLst>
+    <p:ext uri="{EFAFB233-063F-42B5-8137-9DF3F51BA10A}">
+      <p15:sldGuideLst xmlns:p15="http://schemas.microsoft.com/office/powerpoint/2012/main">
+        <p15:guide id="1" orient="horz" pos="1620">
+          <p15:clr>
+            <a:srgbClr val="A4A3A4"/>
+          </p15:clr>
+        </p15:guide>
+        <p15:guide id="2" pos="2880">
+          <p15:clr>
+            <a:srgbClr val="A4A3A4"/>
+          </p15:clr>
+        </p15:guide>
+      </p15:sldGuideLst>
+    </p:ext>
+  </p:extLst>
 </p:presentation>
 </file>
 
@@ -293,7 +309,7 @@
           <a:p>
             <a:fld id="{AA5D9FA9-CE5A-48A6-B3BE-EC410BA02A91}" type="datetimeFigureOut">
               <a:rPr lang="zh-TW" altLang="en-US" smtClean="0"/>
-              <a:t>2019/10/10</a:t>
+              <a:t>2020/7/4</a:t>
             </a:fld>
             <a:endParaRPr lang="zh-TW" altLang="en-US"/>
           </a:p>
@@ -458,7 +474,7 @@
           <a:p>
             <a:fld id="{AA5D9FA9-CE5A-48A6-B3BE-EC410BA02A91}" type="datetimeFigureOut">
               <a:rPr lang="zh-TW" altLang="en-US" smtClean="0"/>
-              <a:t>2019/10/10</a:t>
+              <a:t>2020/7/4</a:t>
             </a:fld>
             <a:endParaRPr lang="zh-TW" altLang="en-US"/>
           </a:p>
@@ -633,7 +649,7 @@
           <a:p>
             <a:fld id="{AA5D9FA9-CE5A-48A6-B3BE-EC410BA02A91}" type="datetimeFigureOut">
               <a:rPr lang="zh-TW" altLang="en-US" smtClean="0"/>
-              <a:t>2019/10/10</a:t>
+              <a:t>2020/7/4</a:t>
             </a:fld>
             <a:endParaRPr lang="zh-TW" altLang="en-US"/>
           </a:p>
@@ -798,7 +814,7 @@
           <a:p>
             <a:fld id="{AA5D9FA9-CE5A-48A6-B3BE-EC410BA02A91}" type="datetimeFigureOut">
               <a:rPr lang="zh-TW" altLang="en-US" smtClean="0"/>
-              <a:t>2019/10/10</a:t>
+              <a:t>2020/7/4</a:t>
             </a:fld>
             <a:endParaRPr lang="zh-TW" altLang="en-US"/>
           </a:p>
@@ -1039,7 +1055,7 @@
           <a:p>
             <a:fld id="{AA5D9FA9-CE5A-48A6-B3BE-EC410BA02A91}" type="datetimeFigureOut">
               <a:rPr lang="zh-TW" altLang="en-US" smtClean="0"/>
-              <a:t>2019/10/10</a:t>
+              <a:t>2020/7/4</a:t>
             </a:fld>
             <a:endParaRPr lang="zh-TW" altLang="en-US"/>
           </a:p>
@@ -1322,7 +1338,7 @@
           <a:p>
             <a:fld id="{AA5D9FA9-CE5A-48A6-B3BE-EC410BA02A91}" type="datetimeFigureOut">
               <a:rPr lang="zh-TW" altLang="en-US" smtClean="0"/>
-              <a:t>2019/10/10</a:t>
+              <a:t>2020/7/4</a:t>
             </a:fld>
             <a:endParaRPr lang="zh-TW" altLang="en-US"/>
           </a:p>
@@ -1739,7 +1755,7 @@
           <a:p>
             <a:fld id="{AA5D9FA9-CE5A-48A6-B3BE-EC410BA02A91}" type="datetimeFigureOut">
               <a:rPr lang="zh-TW" altLang="en-US" smtClean="0"/>
-              <a:t>2019/10/10</a:t>
+              <a:t>2020/7/4</a:t>
             </a:fld>
             <a:endParaRPr lang="zh-TW" altLang="en-US"/>
           </a:p>
@@ -1852,7 +1868,7 @@
           <a:p>
             <a:fld id="{AA5D9FA9-CE5A-48A6-B3BE-EC410BA02A91}" type="datetimeFigureOut">
               <a:rPr lang="zh-TW" altLang="en-US" smtClean="0"/>
-              <a:t>2019/10/10</a:t>
+              <a:t>2020/7/4</a:t>
             </a:fld>
             <a:endParaRPr lang="zh-TW" altLang="en-US"/>
           </a:p>
@@ -1942,7 +1958,7 @@
           <a:p>
             <a:fld id="{AA5D9FA9-CE5A-48A6-B3BE-EC410BA02A91}" type="datetimeFigureOut">
               <a:rPr lang="zh-TW" altLang="en-US" smtClean="0"/>
-              <a:t>2019/10/10</a:t>
+              <a:t>2020/7/4</a:t>
             </a:fld>
             <a:endParaRPr lang="zh-TW" altLang="en-US"/>
           </a:p>
@@ -2214,7 +2230,7 @@
           <a:p>
             <a:fld id="{AA5D9FA9-CE5A-48A6-B3BE-EC410BA02A91}" type="datetimeFigureOut">
               <a:rPr lang="zh-TW" altLang="en-US" smtClean="0"/>
-              <a:t>2019/10/10</a:t>
+              <a:t>2020/7/4</a:t>
             </a:fld>
             <a:endParaRPr lang="zh-TW" altLang="en-US"/>
           </a:p>
@@ -2466,7 +2482,7 @@
           <a:p>
             <a:fld id="{AA5D9FA9-CE5A-48A6-B3BE-EC410BA02A91}" type="datetimeFigureOut">
               <a:rPr lang="zh-TW" altLang="en-US" smtClean="0"/>
-              <a:t>2019/10/10</a:t>
+              <a:t>2020/7/4</a:t>
             </a:fld>
             <a:endParaRPr lang="zh-TW" altLang="en-US"/>
           </a:p>
@@ -2679,7 +2695,7 @@
           <a:p>
             <a:fld id="{AA5D9FA9-CE5A-48A6-B3BE-EC410BA02A91}" type="datetimeFigureOut">
               <a:rPr lang="zh-TW" altLang="en-US" smtClean="0"/>
-              <a:t>2019/10/10</a:t>
+              <a:t>2020/7/4</a:t>
             </a:fld>
             <a:endParaRPr lang="zh-TW" altLang="en-US"/>
           </a:p>
@@ -3067,11 +3083,25 @@
           <a:lstStyle/>
           <a:p>
             <a:r>
-              <a:rPr lang="zh-TW" altLang="en-US" sz="4000" b="1" dirty="0">
-                <a:latin typeface="微軟正黑體" pitchFamily="34" charset="-120"/>
-                <a:ea typeface="微軟正黑體" pitchFamily="34" charset="-120"/>
-              </a:rPr>
-              <a:t>你的愛</a:t>
+              <a:rPr lang="zh-CN" altLang="en-US" b="1" dirty="0">
+                <a:latin typeface="微軟正黑體" pitchFamily="34" charset="-120"/>
+                <a:ea typeface="微軟正黑體" pitchFamily="34" charset="-120"/>
+              </a:rPr>
+              <a:t>袮</a:t>
+            </a:r>
+            <a:r>
+              <a:rPr lang="zh-TW" altLang="en-US" b="1" dirty="0" smtClean="0">
+                <a:latin typeface="微軟正黑體" pitchFamily="34" charset="-120"/>
+                <a:ea typeface="微軟正黑體" pitchFamily="34" charset="-120"/>
+              </a:rPr>
+              <a:t>的</a:t>
+            </a:r>
+            <a:r>
+              <a:rPr lang="zh-TW" altLang="en-US" b="1" dirty="0">
+                <a:latin typeface="微軟正黑體" pitchFamily="34" charset="-120"/>
+                <a:ea typeface="微軟正黑體" pitchFamily="34" charset="-120"/>
+              </a:rPr>
+              <a:t>愛</a:t>
             </a:r>
           </a:p>
         </p:txBody>
@@ -3097,11 +3127,25 @@
               <a:buNone/>
             </a:pPr>
             <a:r>
+              <a:rPr lang="zh-CN" altLang="en-US" sz="4800" b="1" dirty="0">
+                <a:latin typeface="微軟正黑體" pitchFamily="34" charset="-120"/>
+                <a:ea typeface="微軟正黑體" pitchFamily="34" charset="-120"/>
+              </a:rPr>
+              <a:t>袮</a:t>
+            </a:r>
+            <a:r>
+              <a:rPr lang="zh-TW" altLang="en-US" sz="4800" b="1" dirty="0" smtClean="0">
+                <a:latin typeface="微軟正黑體" pitchFamily="34" charset="-120"/>
+                <a:ea typeface="微軟正黑體" pitchFamily="34" charset="-120"/>
+              </a:rPr>
+              <a:t>創</a:t>
+            </a:r>
+            <a:r>
               <a:rPr lang="zh-TW" altLang="en-US" sz="4800" b="1" dirty="0">
                 <a:latin typeface="微軟正黑體" pitchFamily="34" charset="-120"/>
                 <a:ea typeface="微軟正黑體" pitchFamily="34" charset="-120"/>
               </a:rPr>
-              <a:t>你創造宇宙</a:t>
+              <a:t>造宇宙</a:t>
             </a:r>
             <a:r>
               <a:rPr lang="zh-TW" altLang="en-US" sz="4800" b="1" dirty="0" smtClean="0">
@@ -3157,11 +3201,25 @@
               <a:t>但</a:t>
             </a:r>
             <a:r>
+              <a:rPr lang="zh-CN" altLang="en-US" sz="4800" b="1" dirty="0">
+                <a:latin typeface="微軟正黑體" pitchFamily="34" charset="-120"/>
+                <a:ea typeface="微軟正黑體" pitchFamily="34" charset="-120"/>
+              </a:rPr>
+              <a:t>袮</a:t>
+            </a:r>
+            <a:r>
+              <a:rPr lang="zh-TW" altLang="en-US" sz="4800" b="1" dirty="0" smtClean="0">
+                <a:latin typeface="微軟正黑體" pitchFamily="34" charset="-120"/>
+                <a:ea typeface="微軟正黑體" pitchFamily="34" charset="-120"/>
+              </a:rPr>
+              <a:t>卻</a:t>
+            </a:r>
+            <a:r>
               <a:rPr lang="zh-TW" altLang="en-US" sz="4800" b="1" dirty="0">
                 <a:latin typeface="微軟正黑體" pitchFamily="34" charset="-120"/>
                 <a:ea typeface="微軟正黑體" pitchFamily="34" charset="-120"/>
               </a:rPr>
-              <a:t>你卻關心我的</a:t>
+              <a:t>關心我的</a:t>
             </a:r>
             <a:r>
               <a:rPr lang="zh-TW" altLang="en-US" sz="4800" b="1" dirty="0" smtClean="0">
@@ -3239,11 +3297,25 @@
           <a:lstStyle/>
           <a:p>
             <a:r>
-              <a:rPr lang="zh-TW" altLang="en-US" sz="4000" b="1" dirty="0">
-                <a:latin typeface="微軟正黑體" pitchFamily="34" charset="-120"/>
-                <a:ea typeface="微軟正黑體" pitchFamily="34" charset="-120"/>
-              </a:rPr>
-              <a:t>你的愛</a:t>
+              <a:rPr lang="zh-CN" altLang="en-US" b="1" dirty="0">
+                <a:latin typeface="微軟正黑體" pitchFamily="34" charset="-120"/>
+                <a:ea typeface="微軟正黑體" pitchFamily="34" charset="-120"/>
+              </a:rPr>
+              <a:t>袮</a:t>
+            </a:r>
+            <a:r>
+              <a:rPr lang="zh-TW" altLang="en-US" b="1" dirty="0" smtClean="0">
+                <a:latin typeface="微軟正黑體" pitchFamily="34" charset="-120"/>
+                <a:ea typeface="微軟正黑體" pitchFamily="34" charset="-120"/>
+              </a:rPr>
+              <a:t>的</a:t>
+            </a:r>
+            <a:r>
+              <a:rPr lang="zh-TW" altLang="en-US" b="1" dirty="0">
+                <a:latin typeface="微軟正黑體" pitchFamily="34" charset="-120"/>
+                <a:ea typeface="微軟正黑體" pitchFamily="34" charset="-120"/>
+              </a:rPr>
+              <a:t>愛</a:t>
             </a:r>
           </a:p>
         </p:txBody>
@@ -3269,11 +3341,25 @@
               <a:buNone/>
             </a:pPr>
             <a:r>
+              <a:rPr lang="zh-CN" altLang="en-US" sz="4800" b="1" dirty="0">
+                <a:latin typeface="微軟正黑體" pitchFamily="34" charset="-120"/>
+                <a:ea typeface="微軟正黑體" pitchFamily="34" charset="-120"/>
+              </a:rPr>
+              <a:t>袮</a:t>
+            </a:r>
+            <a:r>
+              <a:rPr lang="zh-TW" altLang="en-US" sz="4800" b="1" dirty="0" smtClean="0">
+                <a:latin typeface="微軟正黑體" pitchFamily="34" charset="-120"/>
+                <a:ea typeface="微軟正黑體" pitchFamily="34" charset="-120"/>
+              </a:rPr>
+              <a:t>手</a:t>
+            </a:r>
+            <a:r>
               <a:rPr lang="zh-TW" altLang="en-US" sz="4800" b="1" dirty="0">
                 <a:latin typeface="微軟正黑體" pitchFamily="34" charset="-120"/>
                 <a:ea typeface="微軟正黑體" pitchFamily="34" charset="-120"/>
               </a:rPr>
-              <a:t>你手鋪陳天上雲彩</a:t>
+              <a:t>鋪陳天上雲彩</a:t>
             </a:r>
             <a:endParaRPr lang="en-US" altLang="zh-TW" sz="4800" b="1" dirty="0">
               <a:latin typeface="微軟正黑體" pitchFamily="34" charset="-120"/>
@@ -3369,11 +3455,25 @@
           <a:lstStyle/>
           <a:p>
             <a:r>
-              <a:rPr lang="zh-TW" altLang="en-US" sz="4000" b="1" dirty="0">
-                <a:latin typeface="微軟正黑體" pitchFamily="34" charset="-120"/>
-                <a:ea typeface="微軟正黑體" pitchFamily="34" charset="-120"/>
-              </a:rPr>
-              <a:t>你的愛</a:t>
+              <a:rPr lang="zh-CN" altLang="en-US" b="1" dirty="0">
+                <a:latin typeface="微軟正黑體" pitchFamily="34" charset="-120"/>
+                <a:ea typeface="微軟正黑體" pitchFamily="34" charset="-120"/>
+              </a:rPr>
+              <a:t>袮</a:t>
+            </a:r>
+            <a:r>
+              <a:rPr lang="zh-TW" altLang="en-US" b="1" dirty="0" smtClean="0">
+                <a:latin typeface="微軟正黑體" pitchFamily="34" charset="-120"/>
+                <a:ea typeface="微軟正黑體" pitchFamily="34" charset="-120"/>
+              </a:rPr>
+              <a:t>的</a:t>
+            </a:r>
+            <a:r>
+              <a:rPr lang="zh-TW" altLang="en-US" b="1" dirty="0">
+                <a:latin typeface="微軟正黑體" pitchFamily="34" charset="-120"/>
+                <a:ea typeface="微軟正黑體" pitchFamily="34" charset="-120"/>
+              </a:rPr>
+              <a:t>愛</a:t>
             </a:r>
           </a:p>
         </p:txBody>
@@ -3404,11 +3504,25 @@
               <a:buNone/>
             </a:pPr>
             <a:r>
+              <a:rPr lang="zh-CN" altLang="en-US" sz="4800" b="1" dirty="0">
+                <a:latin typeface="微軟正黑體" pitchFamily="34" charset="-120"/>
+                <a:ea typeface="微軟正黑體" pitchFamily="34" charset="-120"/>
+              </a:rPr>
+              <a:t>袮</a:t>
+            </a:r>
+            <a:r>
+              <a:rPr lang="zh-TW" altLang="en-US" sz="4800" b="1" dirty="0" smtClean="0">
+                <a:latin typeface="微軟正黑體" pitchFamily="34" charset="-120"/>
+                <a:ea typeface="微軟正黑體" pitchFamily="34" charset="-120"/>
+              </a:rPr>
+              <a:t>公</a:t>
+            </a:r>
+            <a:r>
               <a:rPr lang="zh-TW" altLang="en-US" sz="4800" b="1" dirty="0">
                 <a:latin typeface="微軟正黑體" pitchFamily="34" charset="-120"/>
                 <a:ea typeface="微軟正黑體" pitchFamily="34" charset="-120"/>
               </a:rPr>
-              <a:t>你公義審判萬民</a:t>
+              <a:t>義審判萬民</a:t>
             </a:r>
             <a:endParaRPr lang="en-US" altLang="zh-TW" sz="4800" b="1" dirty="0">
               <a:latin typeface="微軟正黑體" pitchFamily="34" charset="-120"/>
@@ -3484,8 +3598,26 @@
                 <a:latin typeface="微軟正黑體" pitchFamily="34" charset="-120"/>
                 <a:ea typeface="微軟正黑體" pitchFamily="34" charset="-120"/>
               </a:rPr>
-              <a:t>我機會回轉向你</a:t>
-            </a:r>
+              <a:t>我機會回轉</a:t>
+            </a:r>
+            <a:r>
+              <a:rPr lang="zh-TW" altLang="en-US" sz="4800" b="1" dirty="0" smtClean="0">
+                <a:latin typeface="微軟正黑體" pitchFamily="34" charset="-120"/>
+                <a:ea typeface="微軟正黑體" pitchFamily="34" charset="-120"/>
+              </a:rPr>
+              <a:t>向</a:t>
+            </a:r>
+            <a:r>
+              <a:rPr lang="zh-CN" altLang="en-US" sz="4800" b="1" dirty="0">
+                <a:latin typeface="微軟正黑體" pitchFamily="34" charset="-120"/>
+                <a:ea typeface="微軟正黑體" pitchFamily="34" charset="-120"/>
+              </a:rPr>
+              <a:t>袮</a:t>
+            </a:r>
+            <a:endParaRPr lang="zh-TW" altLang="en-US" sz="4800" b="1" dirty="0">
+              <a:latin typeface="微軟正黑體" pitchFamily="34" charset="-120"/>
+              <a:ea typeface="微軟正黑體" pitchFamily="34" charset="-120"/>
+            </a:endParaRPr>
           </a:p>
         </p:txBody>
       </p:sp>
@@ -3532,11 +3664,25 @@
           <a:lstStyle/>
           <a:p>
             <a:r>
-              <a:rPr lang="zh-TW" altLang="en-US" sz="4000" b="1" dirty="0">
-                <a:latin typeface="微軟正黑體" pitchFamily="34" charset="-120"/>
-                <a:ea typeface="微軟正黑體" pitchFamily="34" charset="-120"/>
-              </a:rPr>
-              <a:t>你的愛</a:t>
+              <a:rPr lang="zh-CN" altLang="en-US" b="1" dirty="0">
+                <a:latin typeface="微軟正黑體" pitchFamily="34" charset="-120"/>
+                <a:ea typeface="微軟正黑體" pitchFamily="34" charset="-120"/>
+              </a:rPr>
+              <a:t>袮</a:t>
+            </a:r>
+            <a:r>
+              <a:rPr lang="zh-TW" altLang="en-US" b="1" dirty="0" smtClean="0">
+                <a:latin typeface="微軟正黑體" pitchFamily="34" charset="-120"/>
+                <a:ea typeface="微軟正黑體" pitchFamily="34" charset="-120"/>
+              </a:rPr>
+              <a:t>的</a:t>
+            </a:r>
+            <a:r>
+              <a:rPr lang="zh-TW" altLang="en-US" b="1" dirty="0">
+                <a:latin typeface="微軟正黑體" pitchFamily="34" charset="-120"/>
+                <a:ea typeface="微軟正黑體" pitchFamily="34" charset="-120"/>
+              </a:rPr>
+              <a:t>愛</a:t>
             </a:r>
           </a:p>
         </p:txBody>
@@ -3567,11 +3713,25 @@
               <a:buNone/>
             </a:pPr>
             <a:r>
+              <a:rPr lang="zh-CN" altLang="en-US" sz="4800" b="1" dirty="0">
+                <a:latin typeface="微軟正黑體" pitchFamily="34" charset="-120"/>
+                <a:ea typeface="微軟正黑體" pitchFamily="34" charset="-120"/>
+              </a:rPr>
+              <a:t>袮</a:t>
+            </a:r>
+            <a:r>
+              <a:rPr lang="zh-TW" altLang="en-US" sz="4800" b="1" dirty="0" smtClean="0">
+                <a:latin typeface="微軟正黑體" pitchFamily="34" charset="-120"/>
+                <a:ea typeface="微軟正黑體" pitchFamily="34" charset="-120"/>
+              </a:rPr>
+              <a:t>的</a:t>
+            </a:r>
+            <a:r>
               <a:rPr lang="zh-TW" altLang="en-US" sz="4800" b="1" dirty="0">
                 <a:latin typeface="微軟正黑體" pitchFamily="34" charset="-120"/>
                 <a:ea typeface="微軟正黑體" pitchFamily="34" charset="-120"/>
               </a:rPr>
-              <a:t>你的愛如此溫柔</a:t>
+              <a:t>愛如此溫柔</a:t>
             </a:r>
             <a:endParaRPr lang="en-US" altLang="zh-TW" sz="4800" b="1" dirty="0">
               <a:latin typeface="微軟正黑體" pitchFamily="34" charset="-120"/>
@@ -3667,11 +3827,25 @@
           <a:lstStyle/>
           <a:p>
             <a:r>
-              <a:rPr lang="zh-TW" altLang="en-US" sz="4000" b="1" dirty="0">
-                <a:latin typeface="微軟正黑體" pitchFamily="34" charset="-120"/>
-                <a:ea typeface="微軟正黑體" pitchFamily="34" charset="-120"/>
-              </a:rPr>
-              <a:t>你的愛</a:t>
+              <a:rPr lang="zh-CN" altLang="en-US" b="1" dirty="0">
+                <a:latin typeface="微軟正黑體" pitchFamily="34" charset="-120"/>
+                <a:ea typeface="微軟正黑體" pitchFamily="34" charset="-120"/>
+              </a:rPr>
+              <a:t>袮</a:t>
+            </a:r>
+            <a:r>
+              <a:rPr lang="zh-TW" altLang="en-US" b="1" dirty="0" smtClean="0">
+                <a:latin typeface="微軟正黑體" pitchFamily="34" charset="-120"/>
+                <a:ea typeface="微軟正黑體" pitchFamily="34" charset="-120"/>
+              </a:rPr>
+              <a:t>的</a:t>
+            </a:r>
+            <a:r>
+              <a:rPr lang="zh-TW" altLang="en-US" b="1" dirty="0">
+                <a:latin typeface="微軟正黑體" pitchFamily="34" charset="-120"/>
+                <a:ea typeface="微軟正黑體" pitchFamily="34" charset="-120"/>
+              </a:rPr>
+              <a:t>愛</a:t>
             </a:r>
           </a:p>
         </p:txBody>
@@ -3702,11 +3876,25 @@
               <a:buNone/>
             </a:pPr>
             <a:r>
+              <a:rPr lang="zh-CN" altLang="en-US" sz="4800" b="1" dirty="0">
+                <a:latin typeface="微軟正黑體" pitchFamily="34" charset="-120"/>
+                <a:ea typeface="微軟正黑體" pitchFamily="34" charset="-120"/>
+              </a:rPr>
+              <a:t>袮</a:t>
+            </a:r>
+            <a:r>
+              <a:rPr lang="zh-TW" altLang="en-US" sz="4800" b="1" dirty="0" smtClean="0">
+                <a:latin typeface="微軟正黑體" pitchFamily="34" charset="-120"/>
+                <a:ea typeface="微軟正黑體" pitchFamily="34" charset="-120"/>
+              </a:rPr>
+              <a:t>的</a:t>
+            </a:r>
+            <a:r>
               <a:rPr lang="zh-TW" altLang="en-US" sz="4800" b="1" dirty="0">
                 <a:latin typeface="微軟正黑體" pitchFamily="34" charset="-120"/>
                 <a:ea typeface="微軟正黑體" pitchFamily="34" charset="-120"/>
               </a:rPr>
-              <a:t>你的愛如此深</a:t>
+              <a:t>愛如此深</a:t>
             </a:r>
             <a:r>
               <a:rPr lang="zh-TW" altLang="en-US" sz="4800" b="1" dirty="0" smtClean="0">
@@ -3821,11 +4009,25 @@
           <a:lstStyle/>
           <a:p>
             <a:r>
-              <a:rPr lang="zh-TW" altLang="en-US" sz="4000" b="1" dirty="0">
-                <a:latin typeface="微軟正黑體" pitchFamily="34" charset="-120"/>
-                <a:ea typeface="微軟正黑體" pitchFamily="34" charset="-120"/>
-              </a:rPr>
-              <a:t>你的愛</a:t>
+              <a:rPr lang="zh-CN" altLang="en-US" b="1" dirty="0">
+                <a:latin typeface="微軟正黑體" pitchFamily="34" charset="-120"/>
+                <a:ea typeface="微軟正黑體" pitchFamily="34" charset="-120"/>
+              </a:rPr>
+              <a:t>袮</a:t>
+            </a:r>
+            <a:r>
+              <a:rPr lang="zh-TW" altLang="en-US" b="1" dirty="0" smtClean="0">
+                <a:latin typeface="微軟正黑體" pitchFamily="34" charset="-120"/>
+                <a:ea typeface="微軟正黑體" pitchFamily="34" charset="-120"/>
+              </a:rPr>
+              <a:t>的</a:t>
+            </a:r>
+            <a:r>
+              <a:rPr lang="zh-TW" altLang="en-US" b="1" dirty="0">
+                <a:latin typeface="微軟正黑體" pitchFamily="34" charset="-120"/>
+                <a:ea typeface="微軟正黑體" pitchFamily="34" charset="-120"/>
+              </a:rPr>
+              <a:t>愛</a:t>
             </a:r>
           </a:p>
         </p:txBody>
@@ -3863,11 +4065,32 @@
               <a:t>學</a:t>
             </a:r>
             <a:r>
+              <a:rPr lang="zh-TW" altLang="en-US" sz="4800" b="1" dirty="0" smtClean="0">
+                <a:latin typeface="微軟正黑體" pitchFamily="34" charset="-120"/>
+                <a:ea typeface="微軟正黑體" pitchFamily="34" charset="-120"/>
+              </a:rPr>
+              <a:t>習</a:t>
+            </a:r>
+            <a:r>
+              <a:rPr lang="zh-CN" altLang="en-US" sz="4800" b="1" dirty="0">
+                <a:latin typeface="微軟正黑體" pitchFamily="34" charset="-120"/>
+                <a:ea typeface="微軟正黑體" pitchFamily="34" charset="-120"/>
+              </a:rPr>
+              <a:t>袮</a:t>
+            </a:r>
+            <a:r>
+              <a:rPr lang="zh-TW" altLang="en-US" sz="4800" b="1" dirty="0" smtClean="0">
+                <a:latin typeface="微軟正黑體" pitchFamily="34" charset="-120"/>
+                <a:ea typeface="微軟正黑體" pitchFamily="34" charset="-120"/>
+              </a:rPr>
+              <a:t>謙</a:t>
+            </a:r>
+            <a:r>
               <a:rPr lang="zh-TW" altLang="en-US" sz="4800" b="1" dirty="0">
                 <a:latin typeface="微軟正黑體" pitchFamily="34" charset="-120"/>
                 <a:ea typeface="微軟正黑體" pitchFamily="34" charset="-120"/>
               </a:rPr>
-              <a:t>習你謙卑的樣式</a:t>
+              <a:t>卑的樣式</a:t>
             </a:r>
             <a:endParaRPr lang="en-US" altLang="zh-TW" sz="4800" b="1" dirty="0">
               <a:latin typeface="微軟正黑體" pitchFamily="34" charset="-120"/>
